--- a/i2c_design_review.pptx
+++ b/i2c_design_review.pptx
@@ -25,6 +25,7 @@
     <p:sldId id="280" r:id="rId19"/>
     <p:sldId id="277" r:id="rId20"/>
     <p:sldId id="276" r:id="rId21"/>
+    <p:sldId id="256" r:id="rId22"/>
   </p:sldIdLst>
   <p:sldSz cx="12192000" cy="6858000"/>
   <p:notesSz cx="6858000" cy="9144000"/>
@@ -3596,6 +3597,180 @@
       </pc:sldChg>
     </pc:docChg>
   </pc:docChgLst>
+  <pc:docChgLst>
+    <pc:chgData name="Zhenghong Chen" userId="7b039bbcde4b6db3" providerId="LiveId" clId="{AFAFB768-81A9-46E0-88F0-2F5EA981BF96}"/>
+    <pc:docChg chg="undo custSel addSld delSld modSld">
+      <pc:chgData name="Zhenghong Chen" userId="7b039bbcde4b6db3" providerId="LiveId" clId="{AFAFB768-81A9-46E0-88F0-2F5EA981BF96}" dt="2022-10-17T21:27:39.461" v="114" actId="20577"/>
+      <pc:docMkLst>
+        <pc:docMk/>
+      </pc:docMkLst>
+      <pc:sldChg chg="addSp modSp add mod">
+        <pc:chgData name="Zhenghong Chen" userId="7b039bbcde4b6db3" providerId="LiveId" clId="{AFAFB768-81A9-46E0-88F0-2F5EA981BF96}" dt="2022-10-17T21:27:39.461" v="114" actId="20577"/>
+        <pc:sldMkLst>
+          <pc:docMk/>
+          <pc:sldMk cId="1476409429" sldId="256"/>
+        </pc:sldMkLst>
+        <pc:spChg chg="add mod">
+          <ac:chgData name="Zhenghong Chen" userId="7b039bbcde4b6db3" providerId="LiveId" clId="{AFAFB768-81A9-46E0-88F0-2F5EA981BF96}" dt="2022-10-17T21:00:34.114" v="10" actId="1076"/>
+          <ac:spMkLst>
+            <pc:docMk/>
+            <pc:sldMk cId="1476409429" sldId="256"/>
+            <ac:spMk id="2" creationId="{DA899964-AA80-B3D3-D6E0-38E150E214AE}"/>
+          </ac:spMkLst>
+        </pc:spChg>
+        <pc:spChg chg="mod">
+          <ac:chgData name="Zhenghong Chen" userId="7b039bbcde4b6db3" providerId="LiveId" clId="{AFAFB768-81A9-46E0-88F0-2F5EA981BF96}" dt="2022-10-17T21:01:27.788" v="21" actId="1076"/>
+          <ac:spMkLst>
+            <pc:docMk/>
+            <pc:sldMk cId="1476409429" sldId="256"/>
+            <ac:spMk id="10" creationId="{53C7628B-9DFF-53C4-270F-93B466A210B3}"/>
+          </ac:spMkLst>
+        </pc:spChg>
+        <pc:spChg chg="mod">
+          <ac:chgData name="Zhenghong Chen" userId="7b039bbcde4b6db3" providerId="LiveId" clId="{AFAFB768-81A9-46E0-88F0-2F5EA981BF96}" dt="2022-10-17T21:01:20.926" v="19" actId="1076"/>
+          <ac:spMkLst>
+            <pc:docMk/>
+            <pc:sldMk cId="1476409429" sldId="256"/>
+            <ac:spMk id="17" creationId="{782CC745-6393-DCF3-718E-627C86EC9202}"/>
+          </ac:spMkLst>
+        </pc:spChg>
+        <pc:spChg chg="add mod">
+          <ac:chgData name="Zhenghong Chen" userId="7b039bbcde4b6db3" providerId="LiveId" clId="{AFAFB768-81A9-46E0-88F0-2F5EA981BF96}" dt="2022-10-17T21:04:06.410" v="63" actId="1076"/>
+          <ac:spMkLst>
+            <pc:docMk/>
+            <pc:sldMk cId="1476409429" sldId="256"/>
+            <ac:spMk id="19" creationId="{2A62648B-90F2-BB0F-EA69-63CE5EE915C9}"/>
+          </ac:spMkLst>
+        </pc:spChg>
+        <pc:spChg chg="add mod">
+          <ac:chgData name="Zhenghong Chen" userId="7b039bbcde4b6db3" providerId="LiveId" clId="{AFAFB768-81A9-46E0-88F0-2F5EA981BF96}" dt="2022-10-17T21:04:20.515" v="73" actId="1076"/>
+          <ac:spMkLst>
+            <pc:docMk/>
+            <pc:sldMk cId="1476409429" sldId="256"/>
+            <ac:spMk id="21" creationId="{381DD665-D909-FEA8-FEF2-C0C11EF4A8DB}"/>
+          </ac:spMkLst>
+        </pc:spChg>
+        <pc:spChg chg="mod">
+          <ac:chgData name="Zhenghong Chen" userId="7b039bbcde4b6db3" providerId="LiveId" clId="{AFAFB768-81A9-46E0-88F0-2F5EA981BF96}" dt="2022-10-17T21:27:39.461" v="114" actId="20577"/>
+          <ac:spMkLst>
+            <pc:docMk/>
+            <pc:sldMk cId="1476409429" sldId="256"/>
+            <ac:spMk id="43" creationId="{86E641FD-337C-722F-D9CF-84180A12D651}"/>
+          </ac:spMkLst>
+        </pc:spChg>
+        <pc:spChg chg="mod">
+          <ac:chgData name="Zhenghong Chen" userId="7b039bbcde4b6db3" providerId="LiveId" clId="{AFAFB768-81A9-46E0-88F0-2F5EA981BF96}" dt="2022-10-17T21:01:38.721" v="24" actId="1076"/>
+          <ac:spMkLst>
+            <pc:docMk/>
+            <pc:sldMk cId="1476409429" sldId="256"/>
+            <ac:spMk id="73" creationId="{7A448C53-8A41-8EF9-4D5E-5DD90955E385}"/>
+          </ac:spMkLst>
+        </pc:spChg>
+        <pc:cxnChg chg="add mod">
+          <ac:chgData name="Zhenghong Chen" userId="7b039bbcde4b6db3" providerId="LiveId" clId="{AFAFB768-81A9-46E0-88F0-2F5EA981BF96}" dt="2022-10-17T21:00:43.845" v="12" actId="1076"/>
+          <ac:cxnSpMkLst>
+            <pc:docMk/>
+            <pc:sldMk cId="1476409429" sldId="256"/>
+            <ac:cxnSpMk id="3" creationId="{54043F4B-131A-D566-B3C9-6F51FDA6E7A3}"/>
+          </ac:cxnSpMkLst>
+        </pc:cxnChg>
+        <pc:cxnChg chg="add mod">
+          <ac:chgData name="Zhenghong Chen" userId="7b039bbcde4b6db3" providerId="LiveId" clId="{AFAFB768-81A9-46E0-88F0-2F5EA981BF96}" dt="2022-10-17T21:00:43.845" v="12" actId="1076"/>
+          <ac:cxnSpMkLst>
+            <pc:docMk/>
+            <pc:sldMk cId="1476409429" sldId="256"/>
+            <ac:cxnSpMk id="6" creationId="{103DE4B8-2474-7CF9-F2A6-BCA21003C415}"/>
+          </ac:cxnSpMkLst>
+        </pc:cxnChg>
+        <pc:cxnChg chg="add mod">
+          <ac:chgData name="Zhenghong Chen" userId="7b039bbcde4b6db3" providerId="LiveId" clId="{AFAFB768-81A9-46E0-88F0-2F5EA981BF96}" dt="2022-10-17T21:00:49.870" v="14" actId="1076"/>
+          <ac:cxnSpMkLst>
+            <pc:docMk/>
+            <pc:sldMk cId="1476409429" sldId="256"/>
+            <ac:cxnSpMk id="8" creationId="{43FA8D13-D102-AC62-280A-93E6F68115BA}"/>
+          </ac:cxnSpMkLst>
+        </pc:cxnChg>
+        <pc:cxnChg chg="mod">
+          <ac:chgData name="Zhenghong Chen" userId="7b039bbcde4b6db3" providerId="LiveId" clId="{AFAFB768-81A9-46E0-88F0-2F5EA981BF96}" dt="2022-10-17T21:01:31.941" v="23" actId="1076"/>
+          <ac:cxnSpMkLst>
+            <pc:docMk/>
+            <pc:sldMk cId="1476409429" sldId="256"/>
+            <ac:cxnSpMk id="12" creationId="{2097927A-E114-5DF8-5B9D-E73FC9AB472A}"/>
+          </ac:cxnSpMkLst>
+        </pc:cxnChg>
+        <pc:cxnChg chg="mod">
+          <ac:chgData name="Zhenghong Chen" userId="7b039bbcde4b6db3" providerId="LiveId" clId="{AFAFB768-81A9-46E0-88F0-2F5EA981BF96}" dt="2022-10-17T21:01:23.329" v="20" actId="1076"/>
+          <ac:cxnSpMkLst>
+            <pc:docMk/>
+            <pc:sldMk cId="1476409429" sldId="256"/>
+            <ac:cxnSpMk id="15" creationId="{373E2A32-CB85-ABED-EE8B-63E871161FA0}"/>
+          </ac:cxnSpMkLst>
+        </pc:cxnChg>
+        <pc:cxnChg chg="add">
+          <ac:chgData name="Zhenghong Chen" userId="7b039bbcde4b6db3" providerId="LiveId" clId="{AFAFB768-81A9-46E0-88F0-2F5EA981BF96}" dt="2022-10-17T21:01:59.946" v="27" actId="11529"/>
+          <ac:cxnSpMkLst>
+            <pc:docMk/>
+            <pc:sldMk cId="1476409429" sldId="256"/>
+            <ac:cxnSpMk id="18" creationId="{E6B44AC9-48DC-00A9-E99A-90B4CC6C2210}"/>
+          </ac:cxnSpMkLst>
+        </pc:cxnChg>
+        <pc:cxnChg chg="mod">
+          <ac:chgData name="Zhenghong Chen" userId="7b039bbcde4b6db3" providerId="LiveId" clId="{AFAFB768-81A9-46E0-88F0-2F5EA981BF96}" dt="2022-10-17T21:01:45.901" v="26" actId="1076"/>
+          <ac:cxnSpMkLst>
+            <pc:docMk/>
+            <pc:sldMk cId="1476409429" sldId="256"/>
+            <ac:cxnSpMk id="74" creationId="{6630565A-486F-B27F-CF08-839195602913}"/>
+          </ac:cxnSpMkLst>
+        </pc:cxnChg>
+      </pc:sldChg>
+      <pc:sldChg chg="delSp modSp mod">
+        <pc:chgData name="Zhenghong Chen" userId="7b039bbcde4b6db3" providerId="LiveId" clId="{AFAFB768-81A9-46E0-88F0-2F5EA981BF96}" dt="2022-10-17T20:57:06.898" v="6" actId="478"/>
+        <pc:sldMkLst>
+          <pc:docMk/>
+          <pc:sldMk cId="3790788909" sldId="276"/>
+        </pc:sldMkLst>
+        <pc:picChg chg="del mod">
+          <ac:chgData name="Zhenghong Chen" userId="7b039bbcde4b6db3" providerId="LiveId" clId="{AFAFB768-81A9-46E0-88F0-2F5EA981BF96}" dt="2022-10-17T20:57:06.898" v="6" actId="478"/>
+          <ac:picMkLst>
+            <pc:docMk/>
+            <pc:sldMk cId="3790788909" sldId="276"/>
+            <ac:picMk id="3" creationId="{60467E2C-AC1A-B9F6-FAFF-48E124B060DB}"/>
+          </ac:picMkLst>
+        </pc:picChg>
+      </pc:sldChg>
+      <pc:sldChg chg="addSp delSp new del mod">
+        <pc:chgData name="Zhenghong Chen" userId="7b039bbcde4b6db3" providerId="LiveId" clId="{AFAFB768-81A9-46E0-88F0-2F5EA981BF96}" dt="2022-10-17T20:57:16.883" v="8" actId="2696"/>
+        <pc:sldMkLst>
+          <pc:docMk/>
+          <pc:sldMk cId="4165052642" sldId="284"/>
+        </pc:sldMkLst>
+        <pc:spChg chg="del">
+          <ac:chgData name="Zhenghong Chen" userId="7b039bbcde4b6db3" providerId="LiveId" clId="{AFAFB768-81A9-46E0-88F0-2F5EA981BF96}" dt="2022-10-17T20:56:37.195" v="2" actId="478"/>
+          <ac:spMkLst>
+            <pc:docMk/>
+            <pc:sldMk cId="4165052642" sldId="284"/>
+            <ac:spMk id="2" creationId="{E0C97274-6A9B-C177-5FF6-08ED642B50DF}"/>
+          </ac:spMkLst>
+        </pc:spChg>
+        <pc:spChg chg="del">
+          <ac:chgData name="Zhenghong Chen" userId="7b039bbcde4b6db3" providerId="LiveId" clId="{AFAFB768-81A9-46E0-88F0-2F5EA981BF96}" dt="2022-10-17T20:56:35.305" v="1" actId="478"/>
+          <ac:spMkLst>
+            <pc:docMk/>
+            <pc:sldMk cId="4165052642" sldId="284"/>
+            <ac:spMk id="3" creationId="{68DAE5A5-43B2-1871-A364-ECA684955D9D}"/>
+          </ac:spMkLst>
+        </pc:spChg>
+        <pc:spChg chg="add del">
+          <ac:chgData name="Zhenghong Chen" userId="7b039bbcde4b6db3" providerId="LiveId" clId="{AFAFB768-81A9-46E0-88F0-2F5EA981BF96}" dt="2022-10-17T20:56:46.795" v="4" actId="22"/>
+          <ac:spMkLst>
+            <pc:docMk/>
+            <pc:sldMk cId="4165052642" sldId="284"/>
+            <ac:spMk id="5" creationId="{8DA9C1E9-8419-546F-34BC-DFA44068CA46}"/>
+          </ac:spMkLst>
+        </pc:spChg>
+      </pc:sldChg>
+    </pc:docChg>
+  </pc:docChgLst>
 </pc:chgInfo>
 </file>
 
@@ -3746,7 +3921,7 @@
           <a:p>
             <a:fld id="{4377A64B-9E6B-4555-9FBE-C3DE9ED961B0}" type="datetimeFigureOut">
               <a:rPr lang="en-US" smtClean="0"/>
-              <a:t>10/12/2022</a:t>
+              <a:t>10/17/2022</a:t>
             </a:fld>
             <a:endParaRPr lang="en-US" dirty="0"/>
           </a:p>
@@ -3944,7 +4119,7 @@
           <a:p>
             <a:fld id="{4377A64B-9E6B-4555-9FBE-C3DE9ED961B0}" type="datetimeFigureOut">
               <a:rPr lang="en-US" smtClean="0"/>
-              <a:t>10/12/2022</a:t>
+              <a:t>10/17/2022</a:t>
             </a:fld>
             <a:endParaRPr lang="en-US" dirty="0"/>
           </a:p>
@@ -4152,7 +4327,7 @@
           <a:p>
             <a:fld id="{4377A64B-9E6B-4555-9FBE-C3DE9ED961B0}" type="datetimeFigureOut">
               <a:rPr lang="en-US" smtClean="0"/>
-              <a:t>10/12/2022</a:t>
+              <a:t>10/17/2022</a:t>
             </a:fld>
             <a:endParaRPr lang="en-US" dirty="0"/>
           </a:p>
@@ -4350,7 +4525,7 @@
           <a:p>
             <a:fld id="{4377A64B-9E6B-4555-9FBE-C3DE9ED961B0}" type="datetimeFigureOut">
               <a:rPr lang="en-US" smtClean="0"/>
-              <a:t>10/12/2022</a:t>
+              <a:t>10/17/2022</a:t>
             </a:fld>
             <a:endParaRPr lang="en-US" dirty="0"/>
           </a:p>
@@ -4625,7 +4800,7 @@
           <a:p>
             <a:fld id="{4377A64B-9E6B-4555-9FBE-C3DE9ED961B0}" type="datetimeFigureOut">
               <a:rPr lang="en-US" smtClean="0"/>
-              <a:t>10/12/2022</a:t>
+              <a:t>10/17/2022</a:t>
             </a:fld>
             <a:endParaRPr lang="en-US" dirty="0"/>
           </a:p>
@@ -4890,7 +5065,7 @@
           <a:p>
             <a:fld id="{4377A64B-9E6B-4555-9FBE-C3DE9ED961B0}" type="datetimeFigureOut">
               <a:rPr lang="en-US" smtClean="0"/>
-              <a:t>10/12/2022</a:t>
+              <a:t>10/17/2022</a:t>
             </a:fld>
             <a:endParaRPr lang="en-US" dirty="0"/>
           </a:p>
@@ -5302,7 +5477,7 @@
           <a:p>
             <a:fld id="{4377A64B-9E6B-4555-9FBE-C3DE9ED961B0}" type="datetimeFigureOut">
               <a:rPr lang="en-US" smtClean="0"/>
-              <a:t>10/12/2022</a:t>
+              <a:t>10/17/2022</a:t>
             </a:fld>
             <a:endParaRPr lang="en-US" dirty="0"/>
           </a:p>
@@ -5443,7 +5618,7 @@
           <a:p>
             <a:fld id="{4377A64B-9E6B-4555-9FBE-C3DE9ED961B0}" type="datetimeFigureOut">
               <a:rPr lang="en-US" smtClean="0"/>
-              <a:t>10/12/2022</a:t>
+              <a:t>10/17/2022</a:t>
             </a:fld>
             <a:endParaRPr lang="en-US" dirty="0"/>
           </a:p>
@@ -5556,7 +5731,7 @@
           <a:p>
             <a:fld id="{4377A64B-9E6B-4555-9FBE-C3DE9ED961B0}" type="datetimeFigureOut">
               <a:rPr lang="en-US" smtClean="0"/>
-              <a:t>10/12/2022</a:t>
+              <a:t>10/17/2022</a:t>
             </a:fld>
             <a:endParaRPr lang="en-US" dirty="0"/>
           </a:p>
@@ -5867,7 +6042,7 @@
           <a:p>
             <a:fld id="{4377A64B-9E6B-4555-9FBE-C3DE9ED961B0}" type="datetimeFigureOut">
               <a:rPr lang="en-US" smtClean="0"/>
-              <a:t>10/12/2022</a:t>
+              <a:t>10/17/2022</a:t>
             </a:fld>
             <a:endParaRPr lang="en-US" dirty="0"/>
           </a:p>
@@ -6155,7 +6330,7 @@
           <a:p>
             <a:fld id="{4377A64B-9E6B-4555-9FBE-C3DE9ED961B0}" type="datetimeFigureOut">
               <a:rPr lang="en-US" smtClean="0"/>
-              <a:t>10/12/2022</a:t>
+              <a:t>10/17/2022</a:t>
             </a:fld>
             <a:endParaRPr lang="en-US" dirty="0"/>
           </a:p>
@@ -6396,7 +6571,7 @@
           <a:p>
             <a:fld id="{4377A64B-9E6B-4555-9FBE-C3DE9ED961B0}" type="datetimeFigureOut">
               <a:rPr lang="en-US" smtClean="0"/>
-              <a:t>10/12/2022</a:t>
+              <a:t>10/17/2022</a:t>
             </a:fld>
             <a:endParaRPr lang="en-US" dirty="0"/>
           </a:p>
@@ -14847,6 +15022,4746 @@
 </p:sld>
 </file>
 
+<file path=ppt/slides/slide21.xml><?xml version="1.0" encoding="utf-8"?>
+<p:sld xmlns:a="http://schemas.openxmlformats.org/drawingml/2006/main" xmlns:r="http://schemas.openxmlformats.org/officeDocument/2006/relationships" xmlns:p="http://schemas.openxmlformats.org/presentationml/2006/main">
+  <p:cSld>
+    <p:spTree>
+      <p:nvGrpSpPr>
+        <p:cNvPr id="1" name=""/>
+        <p:cNvGrpSpPr/>
+        <p:nvPr/>
+      </p:nvGrpSpPr>
+      <p:grpSpPr>
+        <a:xfrm>
+          <a:off x="0" y="0"/>
+          <a:ext cx="0" cy="0"/>
+          <a:chOff x="0" y="0"/>
+          <a:chExt cx="0" cy="0"/>
+        </a:xfrm>
+      </p:grpSpPr>
+      <p:sp>
+        <p:nvSpPr>
+          <p:cNvPr id="7" name="TextBox 6">
+            <a:extLst>
+              <a:ext uri="{FF2B5EF4-FFF2-40B4-BE49-F238E27FC236}">
+                <a16:creationId xmlns:a16="http://schemas.microsoft.com/office/drawing/2014/main" id="{0800F185-3530-E838-AEF4-5F24A12D4E7B}"/>
+              </a:ext>
+            </a:extLst>
+          </p:cNvPr>
+          <p:cNvSpPr txBox="1"/>
+          <p:nvPr/>
+        </p:nvSpPr>
+        <p:spPr>
+          <a:xfrm>
+            <a:off x="3504191" y="80824"/>
+            <a:ext cx="3953052" cy="6740307"/>
+          </a:xfrm>
+          <a:prstGeom prst="rect">
+            <a:avLst/>
+          </a:prstGeom>
+        </p:spPr>
+        <p:style>
+          <a:lnRef idx="2">
+            <a:schemeClr val="dk1"/>
+          </a:lnRef>
+          <a:fillRef idx="1">
+            <a:schemeClr val="lt1"/>
+          </a:fillRef>
+          <a:effectRef idx="0">
+            <a:schemeClr val="dk1"/>
+          </a:effectRef>
+          <a:fontRef idx="minor">
+            <a:schemeClr val="dk1"/>
+          </a:fontRef>
+        </p:style>
+        <p:txBody>
+          <a:bodyPr wrap="square" rtlCol="0">
+            <a:spAutoFit/>
+          </a:bodyPr>
+          <a:lstStyle/>
+          <a:p>
+            <a:endParaRPr lang="en-US" sz="900" dirty="0"/>
+          </a:p>
+          <a:p>
+            <a:endParaRPr lang="en-US" sz="900" dirty="0"/>
+          </a:p>
+          <a:p>
+            <a:endParaRPr lang="en-US" sz="900" dirty="0"/>
+          </a:p>
+          <a:p>
+            <a:endParaRPr lang="en-US" sz="900" dirty="0"/>
+          </a:p>
+          <a:p>
+            <a:endParaRPr lang="en-US" sz="900" dirty="0"/>
+          </a:p>
+          <a:p>
+            <a:endParaRPr lang="en-US" sz="900" dirty="0"/>
+          </a:p>
+          <a:p>
+            <a:endParaRPr lang="en-US" sz="900" dirty="0"/>
+          </a:p>
+          <a:p>
+            <a:endParaRPr lang="en-US" sz="900" dirty="0"/>
+          </a:p>
+          <a:p>
+            <a:endParaRPr lang="en-US" sz="900" dirty="0"/>
+          </a:p>
+          <a:p>
+            <a:endParaRPr lang="en-US" sz="900" dirty="0"/>
+          </a:p>
+          <a:p>
+            <a:endParaRPr lang="en-US" sz="900" dirty="0"/>
+          </a:p>
+          <a:p>
+            <a:endParaRPr lang="en-US" sz="900" dirty="0"/>
+          </a:p>
+          <a:p>
+            <a:endParaRPr lang="en-US" sz="900" dirty="0"/>
+          </a:p>
+          <a:p>
+            <a:endParaRPr lang="en-US" sz="900" dirty="0"/>
+          </a:p>
+          <a:p>
+            <a:endParaRPr lang="en-US" sz="900" dirty="0"/>
+          </a:p>
+          <a:p>
+            <a:endParaRPr lang="en-US" sz="900" dirty="0"/>
+          </a:p>
+          <a:p>
+            <a:endParaRPr lang="en-US" sz="900" dirty="0"/>
+          </a:p>
+          <a:p>
+            <a:endParaRPr lang="en-US" sz="900" dirty="0"/>
+          </a:p>
+          <a:p>
+            <a:endParaRPr lang="en-US" sz="900" dirty="0"/>
+          </a:p>
+          <a:p>
+            <a:endParaRPr lang="en-US" sz="900" dirty="0"/>
+          </a:p>
+          <a:p>
+            <a:endParaRPr lang="en-US" sz="900" dirty="0"/>
+          </a:p>
+          <a:p>
+            <a:endParaRPr lang="en-US" sz="900" dirty="0"/>
+          </a:p>
+          <a:p>
+            <a:endParaRPr lang="en-US" sz="900" dirty="0"/>
+          </a:p>
+          <a:p>
+            <a:endParaRPr lang="en-US" sz="900" dirty="0"/>
+          </a:p>
+          <a:p>
+            <a:endParaRPr lang="en-US" sz="900" dirty="0"/>
+          </a:p>
+          <a:p>
+            <a:endParaRPr lang="en-US" sz="900" dirty="0"/>
+          </a:p>
+          <a:p>
+            <a:endParaRPr lang="en-US" sz="900" dirty="0"/>
+          </a:p>
+          <a:p>
+            <a:endParaRPr lang="en-US" sz="900" dirty="0"/>
+          </a:p>
+          <a:p>
+            <a:endParaRPr lang="en-US" sz="900" dirty="0"/>
+          </a:p>
+          <a:p>
+            <a:endParaRPr lang="en-US" sz="900" dirty="0"/>
+          </a:p>
+          <a:p>
+            <a:endParaRPr lang="en-US" sz="900" dirty="0"/>
+          </a:p>
+          <a:p>
+            <a:endParaRPr lang="en-US" sz="900" dirty="0"/>
+          </a:p>
+          <a:p>
+            <a:endParaRPr lang="en-US" sz="900" dirty="0"/>
+          </a:p>
+          <a:p>
+            <a:endParaRPr lang="en-US" sz="900" dirty="0"/>
+          </a:p>
+          <a:p>
+            <a:endParaRPr lang="en-US" sz="900" dirty="0"/>
+          </a:p>
+          <a:p>
+            <a:endParaRPr lang="en-US" sz="900" dirty="0"/>
+          </a:p>
+          <a:p>
+            <a:endParaRPr lang="en-US" sz="900" dirty="0"/>
+          </a:p>
+          <a:p>
+            <a:endParaRPr lang="en-US" sz="900" dirty="0"/>
+          </a:p>
+          <a:p>
+            <a:endParaRPr lang="en-US" sz="900" dirty="0"/>
+          </a:p>
+          <a:p>
+            <a:endParaRPr lang="en-US" sz="900" dirty="0"/>
+          </a:p>
+          <a:p>
+            <a:endParaRPr lang="en-US" sz="900" dirty="0"/>
+          </a:p>
+          <a:p>
+            <a:endParaRPr lang="en-US" sz="900" dirty="0"/>
+          </a:p>
+          <a:p>
+            <a:endParaRPr lang="en-US" sz="900" dirty="0"/>
+          </a:p>
+          <a:p>
+            <a:endParaRPr lang="en-US" sz="900" dirty="0"/>
+          </a:p>
+          <a:p>
+            <a:endParaRPr lang="en-US" sz="900" dirty="0"/>
+          </a:p>
+          <a:p>
+            <a:endParaRPr lang="en-US" sz="900" dirty="0"/>
+          </a:p>
+          <a:p>
+            <a:endParaRPr lang="en-US" sz="900" dirty="0"/>
+          </a:p>
+          <a:p>
+            <a:r>
+              <a:rPr lang="en-US" sz="900" dirty="0"/>
+              <a:t>I2C</a:t>
+            </a:r>
+          </a:p>
+        </p:txBody>
+      </p:sp>
+      <p:sp>
+        <p:nvSpPr>
+          <p:cNvPr id="4" name="TextBox 3">
+            <a:extLst>
+              <a:ext uri="{FF2B5EF4-FFF2-40B4-BE49-F238E27FC236}">
+                <a16:creationId xmlns:a16="http://schemas.microsoft.com/office/drawing/2014/main" id="{1F5F6E1E-5F1A-D049-5BB8-84B7DBD1F02C}"/>
+              </a:ext>
+            </a:extLst>
+          </p:cNvPr>
+          <p:cNvSpPr txBox="1"/>
+          <p:nvPr/>
+        </p:nvSpPr>
+        <p:spPr>
+          <a:xfrm>
+            <a:off x="5541035" y="155949"/>
+            <a:ext cx="1035266" cy="3416320"/>
+          </a:xfrm>
+          <a:prstGeom prst="rect">
+            <a:avLst/>
+          </a:prstGeom>
+        </p:spPr>
+        <p:style>
+          <a:lnRef idx="2">
+            <a:schemeClr val="dk1"/>
+          </a:lnRef>
+          <a:fillRef idx="1">
+            <a:schemeClr val="lt1"/>
+          </a:fillRef>
+          <a:effectRef idx="0">
+            <a:schemeClr val="dk1"/>
+          </a:effectRef>
+          <a:fontRef idx="minor">
+            <a:schemeClr val="dk1"/>
+          </a:fontRef>
+        </p:style>
+        <p:txBody>
+          <a:bodyPr wrap="square" rtlCol="0">
+            <a:spAutoFit/>
+          </a:bodyPr>
+          <a:lstStyle/>
+          <a:p>
+            <a:r>
+              <a:rPr lang="en-US" sz="900" dirty="0">
+                <a:solidFill>
+                  <a:srgbClr val="FF0000"/>
+                </a:solidFill>
+              </a:rPr>
+              <a:t>Input </a:t>
+            </a:r>
+            <a:r>
+              <a:rPr lang="en-US" sz="900" dirty="0"/>
+              <a:t>clk</a:t>
+            </a:r>
+          </a:p>
+          <a:p>
+            <a:r>
+              <a:rPr lang="en-US" sz="900" dirty="0">
+                <a:solidFill>
+                  <a:srgbClr val="FF0000"/>
+                </a:solidFill>
+              </a:rPr>
+              <a:t>Input </a:t>
+            </a:r>
+            <a:r>
+              <a:rPr lang="en-US" sz="900" dirty="0"/>
+              <a:t>reset</a:t>
+            </a:r>
+          </a:p>
+          <a:p>
+            <a:r>
+              <a:rPr lang="en-US" sz="900" dirty="0">
+                <a:solidFill>
+                  <a:srgbClr val="FF0000"/>
+                </a:solidFill>
+              </a:rPr>
+              <a:t>Input </a:t>
+            </a:r>
+            <a:r>
+              <a:rPr lang="en-US" sz="900" dirty="0"/>
+              <a:t>clk_div</a:t>
+            </a:r>
+          </a:p>
+          <a:p>
+            <a:r>
+              <a:rPr lang="en-US" sz="900" dirty="0">
+                <a:solidFill>
+                  <a:srgbClr val="FF0000"/>
+                </a:solidFill>
+              </a:rPr>
+              <a:t>Input </a:t>
+            </a:r>
+            <a:r>
+              <a:rPr lang="en-US" sz="900" dirty="0"/>
+              <a:t>open_drain</a:t>
+            </a:r>
+          </a:p>
+          <a:p>
+            <a:endParaRPr lang="en-US" sz="900" dirty="0"/>
+          </a:p>
+          <a:p>
+            <a:r>
+              <a:rPr lang="en-US" sz="900" dirty="0">
+                <a:solidFill>
+                  <a:srgbClr val="FF0000"/>
+                </a:solidFill>
+              </a:rPr>
+              <a:t>Input </a:t>
+            </a:r>
+            <a:r>
+              <a:rPr lang="en-US" sz="900" dirty="0"/>
+              <a:t>chip_addr</a:t>
+            </a:r>
+          </a:p>
+          <a:p>
+            <a:r>
+              <a:rPr lang="en-US" sz="900" dirty="0">
+                <a:solidFill>
+                  <a:srgbClr val="FF0000"/>
+                </a:solidFill>
+              </a:rPr>
+              <a:t>Input </a:t>
+            </a:r>
+            <a:r>
+              <a:rPr lang="en-US" sz="900" dirty="0"/>
+              <a:t>reg_addr</a:t>
+            </a:r>
+          </a:p>
+          <a:p>
+            <a:r>
+              <a:rPr lang="en-US" sz="900" dirty="0">
+                <a:solidFill>
+                  <a:srgbClr val="FF0000"/>
+                </a:solidFill>
+              </a:rPr>
+              <a:t>Input </a:t>
+            </a:r>
+            <a:r>
+              <a:rPr lang="en-US" sz="900" dirty="0"/>
+              <a:t>data_in</a:t>
+            </a:r>
+          </a:p>
+          <a:p>
+            <a:r>
+              <a:rPr lang="en-US" sz="900" dirty="0">
+                <a:solidFill>
+                  <a:srgbClr val="FF0000"/>
+                </a:solidFill>
+              </a:rPr>
+              <a:t>Input </a:t>
+            </a:r>
+            <a:r>
+              <a:rPr lang="en-US" sz="900" dirty="0"/>
+              <a:t>write_en</a:t>
+            </a:r>
+          </a:p>
+          <a:p>
+            <a:r>
+              <a:rPr lang="en-US" sz="900" dirty="0">
+                <a:solidFill>
+                  <a:srgbClr val="FF0000"/>
+                </a:solidFill>
+              </a:rPr>
+              <a:t>Input </a:t>
+            </a:r>
+            <a:r>
+              <a:rPr lang="en-US" sz="900" dirty="0"/>
+              <a:t>write_mode</a:t>
+            </a:r>
+          </a:p>
+          <a:p>
+            <a:r>
+              <a:rPr lang="en-US" sz="900" dirty="0">
+                <a:solidFill>
+                  <a:srgbClr val="FF0000"/>
+                </a:solidFill>
+              </a:rPr>
+              <a:t>Input </a:t>
+            </a:r>
+            <a:r>
+              <a:rPr lang="en-US" sz="900" dirty="0"/>
+              <a:t>read_en</a:t>
+            </a:r>
+          </a:p>
+          <a:p>
+            <a:r>
+              <a:rPr lang="en-US" sz="900" dirty="0">
+                <a:solidFill>
+                  <a:srgbClr val="0070C0"/>
+                </a:solidFill>
+              </a:rPr>
+              <a:t>Output</a:t>
+            </a:r>
+            <a:r>
+              <a:rPr lang="en-US" sz="900" dirty="0"/>
+              <a:t> status</a:t>
+            </a:r>
+          </a:p>
+          <a:p>
+            <a:r>
+              <a:rPr lang="en-US" sz="900" dirty="0">
+                <a:solidFill>
+                  <a:srgbClr val="0070C0"/>
+                </a:solidFill>
+              </a:rPr>
+              <a:t>Output</a:t>
+            </a:r>
+            <a:r>
+              <a:rPr lang="en-US" sz="900" dirty="0"/>
+              <a:t> done</a:t>
+            </a:r>
+          </a:p>
+          <a:p>
+            <a:r>
+              <a:rPr lang="en-US" sz="900" dirty="0">
+                <a:solidFill>
+                  <a:srgbClr val="0070C0"/>
+                </a:solidFill>
+              </a:rPr>
+              <a:t>Output</a:t>
+            </a:r>
+            <a:r>
+              <a:rPr lang="en-US" sz="900" dirty="0"/>
+              <a:t> busy</a:t>
+            </a:r>
+          </a:p>
+          <a:p>
+            <a:r>
+              <a:rPr lang="en-US" sz="900" dirty="0">
+                <a:solidFill>
+                  <a:srgbClr val="0070C0"/>
+                </a:solidFill>
+              </a:rPr>
+              <a:t>Output</a:t>
+            </a:r>
+            <a:r>
+              <a:rPr lang="en-US" sz="900" dirty="0"/>
+              <a:t> data_out</a:t>
+            </a:r>
+          </a:p>
+          <a:p>
+            <a:endParaRPr lang="en-US" sz="900" dirty="0"/>
+          </a:p>
+          <a:p>
+            <a:r>
+              <a:rPr lang="en-US" sz="900" dirty="0">
+                <a:solidFill>
+                  <a:srgbClr val="FF0000"/>
+                </a:solidFill>
+              </a:rPr>
+              <a:t>Input </a:t>
+            </a:r>
+            <a:r>
+              <a:rPr lang="en-US" sz="900" dirty="0"/>
+              <a:t>sda_in</a:t>
+            </a:r>
+          </a:p>
+          <a:p>
+            <a:r>
+              <a:rPr lang="en-US" sz="900" dirty="0">
+                <a:solidFill>
+                  <a:srgbClr val="FF0000"/>
+                </a:solidFill>
+              </a:rPr>
+              <a:t>Input</a:t>
+            </a:r>
+            <a:r>
+              <a:rPr lang="en-US" sz="900" dirty="0"/>
+              <a:t> scl_in</a:t>
+            </a:r>
+          </a:p>
+          <a:p>
+            <a:r>
+              <a:rPr lang="en-US" sz="900" dirty="0">
+                <a:solidFill>
+                  <a:srgbClr val="0070C0"/>
+                </a:solidFill>
+              </a:rPr>
+              <a:t>Output</a:t>
+            </a:r>
+            <a:r>
+              <a:rPr lang="en-US" sz="900" dirty="0"/>
+              <a:t> sda_out</a:t>
+            </a:r>
+          </a:p>
+          <a:p>
+            <a:r>
+              <a:rPr lang="en-US" sz="900" dirty="0">
+                <a:solidFill>
+                  <a:srgbClr val="0070C0"/>
+                </a:solidFill>
+              </a:rPr>
+              <a:t>Output</a:t>
+            </a:r>
+            <a:r>
+              <a:rPr lang="en-US" sz="900" dirty="0"/>
+              <a:t> sda_oen</a:t>
+            </a:r>
+          </a:p>
+          <a:p>
+            <a:r>
+              <a:rPr lang="en-US" sz="900" dirty="0">
+                <a:solidFill>
+                  <a:srgbClr val="0070C0"/>
+                </a:solidFill>
+              </a:rPr>
+              <a:t>Output</a:t>
+            </a:r>
+            <a:r>
+              <a:rPr lang="en-US" sz="900" dirty="0"/>
+              <a:t> scl_out</a:t>
+            </a:r>
+          </a:p>
+          <a:p>
+            <a:r>
+              <a:rPr lang="en-US" sz="900" dirty="0">
+                <a:solidFill>
+                  <a:srgbClr val="0070C0"/>
+                </a:solidFill>
+              </a:rPr>
+              <a:t>Output</a:t>
+            </a:r>
+            <a:r>
+              <a:rPr lang="en-US" sz="900" dirty="0"/>
+              <a:t> scl_oen</a:t>
+            </a:r>
+          </a:p>
+          <a:p>
+            <a:endParaRPr lang="en-US" sz="900" dirty="0"/>
+          </a:p>
+          <a:p>
+            <a:r>
+              <a:rPr lang="en-US" sz="900" b="1" dirty="0">
+                <a:solidFill>
+                  <a:schemeClr val="tx1"/>
+                </a:solidFill>
+              </a:rPr>
+              <a:t>Master</a:t>
+            </a:r>
+          </a:p>
+        </p:txBody>
+      </p:sp>
+      <p:sp>
+        <p:nvSpPr>
+          <p:cNvPr id="5" name="TextBox 4">
+            <a:extLst>
+              <a:ext uri="{FF2B5EF4-FFF2-40B4-BE49-F238E27FC236}">
+                <a16:creationId xmlns:a16="http://schemas.microsoft.com/office/drawing/2014/main" id="{63F3575B-E59B-787A-DAAC-873E91B3A4DE}"/>
+              </a:ext>
+            </a:extLst>
+          </p:cNvPr>
+          <p:cNvSpPr txBox="1"/>
+          <p:nvPr/>
+        </p:nvSpPr>
+        <p:spPr>
+          <a:xfrm>
+            <a:off x="5541035" y="3839729"/>
+            <a:ext cx="1035266" cy="2862322"/>
+          </a:xfrm>
+          <a:prstGeom prst="rect">
+            <a:avLst/>
+          </a:prstGeom>
+        </p:spPr>
+        <p:style>
+          <a:lnRef idx="2">
+            <a:schemeClr val="dk1"/>
+          </a:lnRef>
+          <a:fillRef idx="1">
+            <a:schemeClr val="lt1"/>
+          </a:fillRef>
+          <a:effectRef idx="0">
+            <a:schemeClr val="dk1"/>
+          </a:effectRef>
+          <a:fontRef idx="minor">
+            <a:schemeClr val="dk1"/>
+          </a:fontRef>
+        </p:style>
+        <p:txBody>
+          <a:bodyPr wrap="square" rtlCol="0">
+            <a:spAutoFit/>
+          </a:bodyPr>
+          <a:lstStyle/>
+          <a:p>
+            <a:r>
+              <a:rPr lang="en-US" sz="900" dirty="0">
+                <a:solidFill>
+                  <a:srgbClr val="FF0000"/>
+                </a:solidFill>
+              </a:rPr>
+              <a:t>Input </a:t>
+            </a:r>
+            <a:r>
+              <a:rPr lang="en-US" sz="900" dirty="0"/>
+              <a:t>clk</a:t>
+            </a:r>
+          </a:p>
+          <a:p>
+            <a:r>
+              <a:rPr lang="en-US" sz="900" dirty="0">
+                <a:solidFill>
+                  <a:srgbClr val="FF0000"/>
+                </a:solidFill>
+              </a:rPr>
+              <a:t>Input </a:t>
+            </a:r>
+            <a:r>
+              <a:rPr lang="en-US" sz="900" dirty="0"/>
+              <a:t>reset</a:t>
+            </a:r>
+          </a:p>
+          <a:p>
+            <a:r>
+              <a:rPr lang="en-US" sz="900" dirty="0">
+                <a:solidFill>
+                  <a:srgbClr val="FF0000"/>
+                </a:solidFill>
+              </a:rPr>
+              <a:t>Input </a:t>
+            </a:r>
+            <a:r>
+              <a:rPr lang="en-US" sz="900" dirty="0"/>
+              <a:t>open_drain</a:t>
+            </a:r>
+          </a:p>
+          <a:p>
+            <a:endParaRPr lang="en-US" sz="900" dirty="0"/>
+          </a:p>
+          <a:p>
+            <a:r>
+              <a:rPr lang="en-US" sz="900" dirty="0">
+                <a:solidFill>
+                  <a:srgbClr val="FF0000"/>
+                </a:solidFill>
+              </a:rPr>
+              <a:t>Input </a:t>
+            </a:r>
+            <a:r>
+              <a:rPr lang="en-US" sz="900" dirty="0"/>
+              <a:t>chip_addr</a:t>
+            </a:r>
+          </a:p>
+          <a:p>
+            <a:r>
+              <a:rPr lang="en-US" sz="900" dirty="0">
+                <a:solidFill>
+                  <a:srgbClr val="0070C0"/>
+                </a:solidFill>
+              </a:rPr>
+              <a:t>Output</a:t>
+            </a:r>
+            <a:r>
+              <a:rPr lang="en-US" sz="900" dirty="0"/>
+              <a:t> reg_addr</a:t>
+            </a:r>
+          </a:p>
+          <a:p>
+            <a:r>
+              <a:rPr lang="en-US" sz="900" dirty="0">
+                <a:solidFill>
+                  <a:srgbClr val="FF0000"/>
+                </a:solidFill>
+              </a:rPr>
+              <a:t>Input </a:t>
+            </a:r>
+            <a:r>
+              <a:rPr lang="en-US" sz="900" dirty="0"/>
+              <a:t>data_in</a:t>
+            </a:r>
+          </a:p>
+          <a:p>
+            <a:r>
+              <a:rPr lang="en-US" sz="900" dirty="0">
+                <a:solidFill>
+                  <a:srgbClr val="0070C0"/>
+                </a:solidFill>
+              </a:rPr>
+              <a:t>Output</a:t>
+            </a:r>
+            <a:r>
+              <a:rPr lang="en-US" sz="900" dirty="0"/>
+              <a:t> write_en</a:t>
+            </a:r>
+          </a:p>
+          <a:p>
+            <a:r>
+              <a:rPr lang="en-US" sz="900" dirty="0">
+                <a:solidFill>
+                  <a:srgbClr val="0070C0"/>
+                </a:solidFill>
+              </a:rPr>
+              <a:t>Output</a:t>
+            </a:r>
+            <a:r>
+              <a:rPr lang="en-US" sz="900" dirty="0"/>
+              <a:t> data_out</a:t>
+            </a:r>
+          </a:p>
+          <a:p>
+            <a:r>
+              <a:rPr lang="en-US" sz="900" dirty="0">
+                <a:solidFill>
+                  <a:srgbClr val="0070C0"/>
+                </a:solidFill>
+              </a:rPr>
+              <a:t>Output</a:t>
+            </a:r>
+            <a:r>
+              <a:rPr lang="en-US" sz="900" dirty="0"/>
+              <a:t> done</a:t>
+            </a:r>
+          </a:p>
+          <a:p>
+            <a:r>
+              <a:rPr lang="en-US" sz="900" dirty="0">
+                <a:solidFill>
+                  <a:srgbClr val="0070C0"/>
+                </a:solidFill>
+              </a:rPr>
+              <a:t>Output</a:t>
+            </a:r>
+            <a:r>
+              <a:rPr lang="en-US" sz="900" dirty="0"/>
+              <a:t> busy</a:t>
+            </a:r>
+          </a:p>
+          <a:p>
+            <a:endParaRPr lang="en-US" sz="900" dirty="0"/>
+          </a:p>
+          <a:p>
+            <a:r>
+              <a:rPr lang="en-US" sz="900" dirty="0">
+                <a:solidFill>
+                  <a:srgbClr val="FF0000"/>
+                </a:solidFill>
+              </a:rPr>
+              <a:t>Input </a:t>
+            </a:r>
+            <a:r>
+              <a:rPr lang="en-US" sz="900" dirty="0"/>
+              <a:t>sda_in</a:t>
+            </a:r>
+          </a:p>
+          <a:p>
+            <a:r>
+              <a:rPr lang="en-US" sz="900" dirty="0">
+                <a:solidFill>
+                  <a:srgbClr val="FF0000"/>
+                </a:solidFill>
+              </a:rPr>
+              <a:t>Input </a:t>
+            </a:r>
+            <a:r>
+              <a:rPr lang="en-US" sz="900" dirty="0"/>
+              <a:t>scl_in</a:t>
+            </a:r>
+          </a:p>
+          <a:p>
+            <a:r>
+              <a:rPr lang="en-US" sz="900" dirty="0">
+                <a:solidFill>
+                  <a:srgbClr val="0070C0"/>
+                </a:solidFill>
+              </a:rPr>
+              <a:t>Output</a:t>
+            </a:r>
+            <a:r>
+              <a:rPr lang="en-US" sz="900" dirty="0"/>
+              <a:t> sda_out</a:t>
+            </a:r>
+          </a:p>
+          <a:p>
+            <a:r>
+              <a:rPr lang="en-US" sz="900" dirty="0">
+                <a:solidFill>
+                  <a:srgbClr val="0070C0"/>
+                </a:solidFill>
+              </a:rPr>
+              <a:t>Output</a:t>
+            </a:r>
+            <a:r>
+              <a:rPr lang="en-US" sz="900" dirty="0"/>
+              <a:t> sda_oen</a:t>
+            </a:r>
+          </a:p>
+          <a:p>
+            <a:r>
+              <a:rPr lang="en-US" sz="900" dirty="0">
+                <a:solidFill>
+                  <a:srgbClr val="0070C0"/>
+                </a:solidFill>
+              </a:rPr>
+              <a:t>Output</a:t>
+            </a:r>
+            <a:r>
+              <a:rPr lang="en-US" sz="900" dirty="0"/>
+              <a:t> scl_out</a:t>
+            </a:r>
+          </a:p>
+          <a:p>
+            <a:r>
+              <a:rPr lang="en-US" sz="900" dirty="0">
+                <a:solidFill>
+                  <a:srgbClr val="0070C0"/>
+                </a:solidFill>
+              </a:rPr>
+              <a:t>Output</a:t>
+            </a:r>
+            <a:r>
+              <a:rPr lang="en-US" sz="900" dirty="0"/>
+              <a:t> scl_oen</a:t>
+            </a:r>
+          </a:p>
+          <a:p>
+            <a:endParaRPr lang="en-US" sz="900" dirty="0"/>
+          </a:p>
+          <a:p>
+            <a:r>
+              <a:rPr lang="en-US" sz="900" b="1" dirty="0">
+                <a:solidFill>
+                  <a:schemeClr val="tx1"/>
+                </a:solidFill>
+              </a:rPr>
+              <a:t>Slave</a:t>
+            </a:r>
+          </a:p>
+        </p:txBody>
+      </p:sp>
+      <p:cxnSp>
+        <p:nvCxnSpPr>
+          <p:cNvPr id="9" name="Straight Connector 8">
+            <a:extLst>
+              <a:ext uri="{FF2B5EF4-FFF2-40B4-BE49-F238E27FC236}">
+                <a16:creationId xmlns:a16="http://schemas.microsoft.com/office/drawing/2014/main" id="{16421403-8D21-1497-960B-DE57FC9C8DF2}"/>
+              </a:ext>
+            </a:extLst>
+          </p:cNvPr>
+          <p:cNvCxnSpPr>
+            <a:cxnSpLocks/>
+          </p:cNvCxnSpPr>
+          <p:nvPr/>
+        </p:nvCxnSpPr>
+        <p:spPr>
+          <a:xfrm>
+            <a:off x="3095625" y="284085"/>
+            <a:ext cx="2445409" cy="0"/>
+          </a:xfrm>
+          <a:prstGeom prst="line">
+            <a:avLst/>
+          </a:prstGeom>
+        </p:spPr>
+        <p:style>
+          <a:lnRef idx="1">
+            <a:schemeClr val="accent6"/>
+          </a:lnRef>
+          <a:fillRef idx="0">
+            <a:schemeClr val="accent6"/>
+          </a:fillRef>
+          <a:effectRef idx="0">
+            <a:schemeClr val="accent6"/>
+          </a:effectRef>
+          <a:fontRef idx="minor">
+            <a:schemeClr val="tx1"/>
+          </a:fontRef>
+        </p:style>
+      </p:cxnSp>
+      <p:sp>
+        <p:nvSpPr>
+          <p:cNvPr id="11" name="TextBox 10">
+            <a:extLst>
+              <a:ext uri="{FF2B5EF4-FFF2-40B4-BE49-F238E27FC236}">
+                <a16:creationId xmlns:a16="http://schemas.microsoft.com/office/drawing/2014/main" id="{1B309272-AC05-6FAA-FEBA-26C8747C15FB}"/>
+              </a:ext>
+            </a:extLst>
+          </p:cNvPr>
+          <p:cNvSpPr txBox="1"/>
+          <p:nvPr/>
+        </p:nvSpPr>
+        <p:spPr>
+          <a:xfrm>
+            <a:off x="2015231" y="135219"/>
+            <a:ext cx="1080395" cy="646331"/>
+          </a:xfrm>
+          <a:prstGeom prst="rect">
+            <a:avLst/>
+          </a:prstGeom>
+        </p:spPr>
+        <p:style>
+          <a:lnRef idx="2">
+            <a:schemeClr val="dk1"/>
+          </a:lnRef>
+          <a:fillRef idx="1">
+            <a:schemeClr val="lt1"/>
+          </a:fillRef>
+          <a:effectRef idx="0">
+            <a:schemeClr val="dk1"/>
+          </a:effectRef>
+          <a:fontRef idx="minor">
+            <a:schemeClr val="dk1"/>
+          </a:fontRef>
+        </p:style>
+        <p:txBody>
+          <a:bodyPr wrap="square" rtlCol="0">
+            <a:spAutoFit/>
+          </a:bodyPr>
+          <a:lstStyle/>
+          <a:p>
+            <a:r>
+              <a:rPr lang="en-US" sz="900" dirty="0">
+                <a:solidFill>
+                  <a:srgbClr val="FF0000"/>
+                </a:solidFill>
+              </a:rPr>
+              <a:t>Input </a:t>
+            </a:r>
+            <a:r>
+              <a:rPr lang="en-US" sz="900" dirty="0">
+                <a:solidFill>
+                  <a:schemeClr val="tx1"/>
+                </a:solidFill>
+              </a:rPr>
+              <a:t>clk</a:t>
+            </a:r>
+          </a:p>
+          <a:p>
+            <a:r>
+              <a:rPr lang="en-US" sz="900" dirty="0">
+                <a:solidFill>
+                  <a:srgbClr val="FF0000"/>
+                </a:solidFill>
+              </a:rPr>
+              <a:t>Input </a:t>
+            </a:r>
+            <a:r>
+              <a:rPr lang="en-US" sz="900" dirty="0">
+                <a:solidFill>
+                  <a:schemeClr val="tx1"/>
+                </a:solidFill>
+              </a:rPr>
+              <a:t>res</a:t>
+            </a:r>
+            <a:r>
+              <a:rPr lang="en-US" sz="900" dirty="0"/>
+              <a:t>et</a:t>
+            </a:r>
+          </a:p>
+          <a:p>
+            <a:r>
+              <a:rPr lang="en-US" sz="900" dirty="0">
+                <a:solidFill>
+                  <a:srgbClr val="FF0000"/>
+                </a:solidFill>
+              </a:rPr>
+              <a:t>Input </a:t>
+            </a:r>
+            <a:r>
+              <a:rPr lang="en-US" sz="900" dirty="0"/>
+              <a:t>clk_div</a:t>
+            </a:r>
+          </a:p>
+          <a:p>
+            <a:r>
+              <a:rPr lang="en-US" sz="900" dirty="0">
+                <a:solidFill>
+                  <a:srgbClr val="FF0000"/>
+                </a:solidFill>
+              </a:rPr>
+              <a:t>Input </a:t>
+            </a:r>
+            <a:r>
+              <a:rPr lang="en-US" sz="900" dirty="0"/>
+              <a:t>open_drain</a:t>
+            </a:r>
+          </a:p>
+        </p:txBody>
+      </p:sp>
+      <p:cxnSp>
+        <p:nvCxnSpPr>
+          <p:cNvPr id="13" name="Straight Connector 12">
+            <a:extLst>
+              <a:ext uri="{FF2B5EF4-FFF2-40B4-BE49-F238E27FC236}">
+                <a16:creationId xmlns:a16="http://schemas.microsoft.com/office/drawing/2014/main" id="{6B882CAC-0CF7-CD8A-C058-9FB326898BAE}"/>
+              </a:ext>
+            </a:extLst>
+          </p:cNvPr>
+          <p:cNvCxnSpPr>
+            <a:cxnSpLocks/>
+          </p:cNvCxnSpPr>
+          <p:nvPr/>
+        </p:nvCxnSpPr>
+        <p:spPr>
+          <a:xfrm>
+            <a:off x="5305425" y="284085"/>
+            <a:ext cx="0" cy="3678315"/>
+          </a:xfrm>
+          <a:prstGeom prst="line">
+            <a:avLst/>
+          </a:prstGeom>
+        </p:spPr>
+        <p:style>
+          <a:lnRef idx="1">
+            <a:schemeClr val="accent6"/>
+          </a:lnRef>
+          <a:fillRef idx="0">
+            <a:schemeClr val="accent6"/>
+          </a:fillRef>
+          <a:effectRef idx="0">
+            <a:schemeClr val="accent6"/>
+          </a:effectRef>
+          <a:fontRef idx="minor">
+            <a:schemeClr val="tx1"/>
+          </a:fontRef>
+        </p:style>
+      </p:cxnSp>
+      <p:cxnSp>
+        <p:nvCxnSpPr>
+          <p:cNvPr id="16" name="Straight Connector 15">
+            <a:extLst>
+              <a:ext uri="{FF2B5EF4-FFF2-40B4-BE49-F238E27FC236}">
+                <a16:creationId xmlns:a16="http://schemas.microsoft.com/office/drawing/2014/main" id="{6BF47E94-69C7-78E8-2C33-3CC5E5815594}"/>
+              </a:ext>
+            </a:extLst>
+          </p:cNvPr>
+          <p:cNvCxnSpPr>
+            <a:cxnSpLocks/>
+          </p:cNvCxnSpPr>
+          <p:nvPr/>
+        </p:nvCxnSpPr>
+        <p:spPr>
+          <a:xfrm>
+            <a:off x="5305425" y="3962400"/>
+            <a:ext cx="235609" cy="0"/>
+          </a:xfrm>
+          <a:prstGeom prst="line">
+            <a:avLst/>
+          </a:prstGeom>
+        </p:spPr>
+        <p:style>
+          <a:lnRef idx="1">
+            <a:schemeClr val="accent6"/>
+          </a:lnRef>
+          <a:fillRef idx="0">
+            <a:schemeClr val="accent6"/>
+          </a:fillRef>
+          <a:effectRef idx="0">
+            <a:schemeClr val="accent6"/>
+          </a:effectRef>
+          <a:fontRef idx="minor">
+            <a:schemeClr val="tx1"/>
+          </a:fontRef>
+        </p:style>
+      </p:cxnSp>
+      <p:cxnSp>
+        <p:nvCxnSpPr>
+          <p:cNvPr id="20" name="Straight Connector 19">
+            <a:extLst>
+              <a:ext uri="{FF2B5EF4-FFF2-40B4-BE49-F238E27FC236}">
+                <a16:creationId xmlns:a16="http://schemas.microsoft.com/office/drawing/2014/main" id="{6D7CFEB2-9C4F-FE5B-994B-0A9D0E32A5C0}"/>
+              </a:ext>
+            </a:extLst>
+          </p:cNvPr>
+          <p:cNvCxnSpPr>
+            <a:cxnSpLocks/>
+          </p:cNvCxnSpPr>
+          <p:nvPr/>
+        </p:nvCxnSpPr>
+        <p:spPr>
+          <a:xfrm>
+            <a:off x="3095625" y="404536"/>
+            <a:ext cx="2445409" cy="0"/>
+          </a:xfrm>
+          <a:prstGeom prst="line">
+            <a:avLst/>
+          </a:prstGeom>
+        </p:spPr>
+        <p:style>
+          <a:lnRef idx="1">
+            <a:schemeClr val="accent6"/>
+          </a:lnRef>
+          <a:fillRef idx="0">
+            <a:schemeClr val="accent6"/>
+          </a:fillRef>
+          <a:effectRef idx="0">
+            <a:schemeClr val="accent6"/>
+          </a:effectRef>
+          <a:fontRef idx="minor">
+            <a:schemeClr val="tx1"/>
+          </a:fontRef>
+        </p:style>
+      </p:cxnSp>
+      <p:cxnSp>
+        <p:nvCxnSpPr>
+          <p:cNvPr id="26" name="Straight Connector 25">
+            <a:extLst>
+              <a:ext uri="{FF2B5EF4-FFF2-40B4-BE49-F238E27FC236}">
+                <a16:creationId xmlns:a16="http://schemas.microsoft.com/office/drawing/2014/main" id="{9648304D-BE91-0D4A-EC42-52CC50F53FEE}"/>
+              </a:ext>
+            </a:extLst>
+          </p:cNvPr>
+          <p:cNvCxnSpPr>
+            <a:cxnSpLocks/>
+          </p:cNvCxnSpPr>
+          <p:nvPr/>
+        </p:nvCxnSpPr>
+        <p:spPr>
+          <a:xfrm>
+            <a:off x="5186362" y="404536"/>
+            <a:ext cx="0" cy="3678315"/>
+          </a:xfrm>
+          <a:prstGeom prst="line">
+            <a:avLst/>
+          </a:prstGeom>
+        </p:spPr>
+        <p:style>
+          <a:lnRef idx="1">
+            <a:schemeClr val="accent6"/>
+          </a:lnRef>
+          <a:fillRef idx="0">
+            <a:schemeClr val="accent6"/>
+          </a:fillRef>
+          <a:effectRef idx="0">
+            <a:schemeClr val="accent6"/>
+          </a:effectRef>
+          <a:fontRef idx="minor">
+            <a:schemeClr val="tx1"/>
+          </a:fontRef>
+        </p:style>
+      </p:cxnSp>
+      <p:cxnSp>
+        <p:nvCxnSpPr>
+          <p:cNvPr id="27" name="Straight Connector 26">
+            <a:extLst>
+              <a:ext uri="{FF2B5EF4-FFF2-40B4-BE49-F238E27FC236}">
+                <a16:creationId xmlns:a16="http://schemas.microsoft.com/office/drawing/2014/main" id="{6A04B39D-6C17-43F0-20A3-3CE297523109}"/>
+              </a:ext>
+            </a:extLst>
+          </p:cNvPr>
+          <p:cNvCxnSpPr>
+            <a:cxnSpLocks/>
+          </p:cNvCxnSpPr>
+          <p:nvPr/>
+        </p:nvCxnSpPr>
+        <p:spPr>
+          <a:xfrm>
+            <a:off x="5186362" y="4082851"/>
+            <a:ext cx="354672" cy="0"/>
+          </a:xfrm>
+          <a:prstGeom prst="line">
+            <a:avLst/>
+          </a:prstGeom>
+        </p:spPr>
+        <p:style>
+          <a:lnRef idx="1">
+            <a:schemeClr val="accent6"/>
+          </a:lnRef>
+          <a:fillRef idx="0">
+            <a:schemeClr val="accent6"/>
+          </a:fillRef>
+          <a:effectRef idx="0">
+            <a:schemeClr val="accent6"/>
+          </a:effectRef>
+          <a:fontRef idx="minor">
+            <a:schemeClr val="tx1"/>
+          </a:fontRef>
+        </p:style>
+      </p:cxnSp>
+      <p:cxnSp>
+        <p:nvCxnSpPr>
+          <p:cNvPr id="29" name="Straight Connector 28">
+            <a:extLst>
+              <a:ext uri="{FF2B5EF4-FFF2-40B4-BE49-F238E27FC236}">
+                <a16:creationId xmlns:a16="http://schemas.microsoft.com/office/drawing/2014/main" id="{66D3DC6F-01DF-A270-7593-928DDA218A5D}"/>
+              </a:ext>
+            </a:extLst>
+          </p:cNvPr>
+          <p:cNvCxnSpPr>
+            <a:cxnSpLocks/>
+          </p:cNvCxnSpPr>
+          <p:nvPr/>
+        </p:nvCxnSpPr>
+        <p:spPr>
+          <a:xfrm>
+            <a:off x="3095625" y="685523"/>
+            <a:ext cx="2445409" cy="0"/>
+          </a:xfrm>
+          <a:prstGeom prst="line">
+            <a:avLst/>
+          </a:prstGeom>
+        </p:spPr>
+        <p:style>
+          <a:lnRef idx="1">
+            <a:schemeClr val="accent6"/>
+          </a:lnRef>
+          <a:fillRef idx="0">
+            <a:schemeClr val="accent6"/>
+          </a:fillRef>
+          <a:effectRef idx="0">
+            <a:schemeClr val="accent6"/>
+          </a:effectRef>
+          <a:fontRef idx="minor">
+            <a:schemeClr val="tx1"/>
+          </a:fontRef>
+        </p:style>
+      </p:cxnSp>
+      <p:cxnSp>
+        <p:nvCxnSpPr>
+          <p:cNvPr id="30" name="Straight Connector 29">
+            <a:extLst>
+              <a:ext uri="{FF2B5EF4-FFF2-40B4-BE49-F238E27FC236}">
+                <a16:creationId xmlns:a16="http://schemas.microsoft.com/office/drawing/2014/main" id="{CC50A4EE-EC8E-0A98-6B80-7CFDA0983CA7}"/>
+              </a:ext>
+            </a:extLst>
+          </p:cNvPr>
+          <p:cNvCxnSpPr>
+            <a:cxnSpLocks/>
+          </p:cNvCxnSpPr>
+          <p:nvPr/>
+        </p:nvCxnSpPr>
+        <p:spPr>
+          <a:xfrm>
+            <a:off x="3095625" y="542648"/>
+            <a:ext cx="2445409" cy="0"/>
+          </a:xfrm>
+          <a:prstGeom prst="line">
+            <a:avLst/>
+          </a:prstGeom>
+        </p:spPr>
+        <p:style>
+          <a:lnRef idx="1">
+            <a:schemeClr val="accent6"/>
+          </a:lnRef>
+          <a:fillRef idx="0">
+            <a:schemeClr val="accent6"/>
+          </a:fillRef>
+          <a:effectRef idx="0">
+            <a:schemeClr val="accent6"/>
+          </a:effectRef>
+          <a:fontRef idx="minor">
+            <a:schemeClr val="tx1"/>
+          </a:fontRef>
+        </p:style>
+      </p:cxnSp>
+      <p:cxnSp>
+        <p:nvCxnSpPr>
+          <p:cNvPr id="31" name="Straight Connector 30">
+            <a:extLst>
+              <a:ext uri="{FF2B5EF4-FFF2-40B4-BE49-F238E27FC236}">
+                <a16:creationId xmlns:a16="http://schemas.microsoft.com/office/drawing/2014/main" id="{36A4E13E-8BDD-34A2-D980-26C222F49F60}"/>
+              </a:ext>
+            </a:extLst>
+          </p:cNvPr>
+          <p:cNvCxnSpPr>
+            <a:cxnSpLocks/>
+          </p:cNvCxnSpPr>
+          <p:nvPr/>
+        </p:nvCxnSpPr>
+        <p:spPr>
+          <a:xfrm>
+            <a:off x="5072063" y="685523"/>
+            <a:ext cx="0" cy="3535441"/>
+          </a:xfrm>
+          <a:prstGeom prst="line">
+            <a:avLst/>
+          </a:prstGeom>
+        </p:spPr>
+        <p:style>
+          <a:lnRef idx="1">
+            <a:schemeClr val="accent6"/>
+          </a:lnRef>
+          <a:fillRef idx="0">
+            <a:schemeClr val="accent6"/>
+          </a:fillRef>
+          <a:effectRef idx="0">
+            <a:schemeClr val="accent6"/>
+          </a:effectRef>
+          <a:fontRef idx="minor">
+            <a:schemeClr val="tx1"/>
+          </a:fontRef>
+        </p:style>
+      </p:cxnSp>
+      <p:cxnSp>
+        <p:nvCxnSpPr>
+          <p:cNvPr id="32" name="Straight Connector 31">
+            <a:extLst>
+              <a:ext uri="{FF2B5EF4-FFF2-40B4-BE49-F238E27FC236}">
+                <a16:creationId xmlns:a16="http://schemas.microsoft.com/office/drawing/2014/main" id="{07178D0F-DA67-B42D-162C-F298141C2948}"/>
+              </a:ext>
+            </a:extLst>
+          </p:cNvPr>
+          <p:cNvCxnSpPr>
+            <a:cxnSpLocks/>
+          </p:cNvCxnSpPr>
+          <p:nvPr/>
+        </p:nvCxnSpPr>
+        <p:spPr>
+          <a:xfrm>
+            <a:off x="5072063" y="4220964"/>
+            <a:ext cx="468971" cy="0"/>
+          </a:xfrm>
+          <a:prstGeom prst="line">
+            <a:avLst/>
+          </a:prstGeom>
+        </p:spPr>
+        <p:style>
+          <a:lnRef idx="1">
+            <a:schemeClr val="accent6"/>
+          </a:lnRef>
+          <a:fillRef idx="0">
+            <a:schemeClr val="accent6"/>
+          </a:fillRef>
+          <a:effectRef idx="0">
+            <a:schemeClr val="accent6"/>
+          </a:effectRef>
+          <a:fontRef idx="minor">
+            <a:schemeClr val="tx1"/>
+          </a:fontRef>
+        </p:style>
+      </p:cxnSp>
+      <p:sp>
+        <p:nvSpPr>
+          <p:cNvPr id="35" name="TextBox 34">
+            <a:extLst>
+              <a:ext uri="{FF2B5EF4-FFF2-40B4-BE49-F238E27FC236}">
+                <a16:creationId xmlns:a16="http://schemas.microsoft.com/office/drawing/2014/main" id="{5AC20B73-5A3D-A54D-4822-BCD4D0119C32}"/>
+              </a:ext>
+            </a:extLst>
+          </p:cNvPr>
+          <p:cNvSpPr txBox="1"/>
+          <p:nvPr/>
+        </p:nvSpPr>
+        <p:spPr>
+          <a:xfrm>
+            <a:off x="2015231" y="856510"/>
+            <a:ext cx="1080394" cy="1061829"/>
+          </a:xfrm>
+          <a:prstGeom prst="rect">
+            <a:avLst/>
+          </a:prstGeom>
+        </p:spPr>
+        <p:style>
+          <a:lnRef idx="2">
+            <a:schemeClr val="dk1"/>
+          </a:lnRef>
+          <a:fillRef idx="1">
+            <a:schemeClr val="lt1"/>
+          </a:fillRef>
+          <a:effectRef idx="0">
+            <a:schemeClr val="dk1"/>
+          </a:effectRef>
+          <a:fontRef idx="minor">
+            <a:schemeClr val="dk1"/>
+          </a:fontRef>
+        </p:style>
+        <p:txBody>
+          <a:bodyPr wrap="square" rtlCol="0">
+            <a:spAutoFit/>
+          </a:bodyPr>
+          <a:lstStyle/>
+          <a:p>
+            <a:r>
+              <a:rPr lang="en-US" sz="900" dirty="0">
+                <a:solidFill>
+                  <a:srgbClr val="FF0000"/>
+                </a:solidFill>
+              </a:rPr>
+              <a:t>Input </a:t>
+            </a:r>
+            <a:r>
+              <a:rPr lang="en-US" sz="900" dirty="0"/>
+              <a:t>chip_addr</a:t>
+            </a:r>
+          </a:p>
+          <a:p>
+            <a:r>
+              <a:rPr lang="en-US" sz="900" dirty="0">
+                <a:solidFill>
+                  <a:srgbClr val="FF0000"/>
+                </a:solidFill>
+              </a:rPr>
+              <a:t>Input </a:t>
+            </a:r>
+            <a:r>
+              <a:rPr lang="en-US" sz="900" dirty="0"/>
+              <a:t>reg_addr</a:t>
+            </a:r>
+          </a:p>
+          <a:p>
+            <a:endParaRPr lang="en-US" sz="900" dirty="0">
+              <a:solidFill>
+                <a:srgbClr val="FF0000"/>
+              </a:solidFill>
+            </a:endParaRPr>
+          </a:p>
+          <a:p>
+            <a:r>
+              <a:rPr lang="en-US" sz="900" dirty="0">
+                <a:solidFill>
+                  <a:srgbClr val="FF0000"/>
+                </a:solidFill>
+              </a:rPr>
+              <a:t>Input </a:t>
+            </a:r>
+            <a:r>
+              <a:rPr lang="en-US" sz="900" dirty="0"/>
+              <a:t>write_en</a:t>
+            </a:r>
+          </a:p>
+          <a:p>
+            <a:r>
+              <a:rPr lang="en-US" sz="900" dirty="0">
+                <a:solidFill>
+                  <a:srgbClr val="FF0000"/>
+                </a:solidFill>
+              </a:rPr>
+              <a:t>Input </a:t>
+            </a:r>
+            <a:r>
+              <a:rPr lang="en-US" sz="900" dirty="0"/>
+              <a:t>write_mode</a:t>
+            </a:r>
+          </a:p>
+          <a:p>
+            <a:r>
+              <a:rPr lang="en-US" sz="900" dirty="0">
+                <a:solidFill>
+                  <a:srgbClr val="FF0000"/>
+                </a:solidFill>
+              </a:rPr>
+              <a:t>Input </a:t>
+            </a:r>
+            <a:r>
+              <a:rPr lang="en-US" sz="900" dirty="0"/>
+              <a:t>read_en</a:t>
+            </a:r>
+          </a:p>
+          <a:p>
+            <a:r>
+              <a:rPr lang="en-US" sz="900" dirty="0">
+                <a:solidFill>
+                  <a:srgbClr val="0070C0"/>
+                </a:solidFill>
+              </a:rPr>
+              <a:t>Output</a:t>
+            </a:r>
+            <a:r>
+              <a:rPr lang="en-US" sz="900" dirty="0"/>
+              <a:t> status</a:t>
+            </a:r>
+          </a:p>
+        </p:txBody>
+      </p:sp>
+      <p:cxnSp>
+        <p:nvCxnSpPr>
+          <p:cNvPr id="36" name="Straight Connector 35">
+            <a:extLst>
+              <a:ext uri="{FF2B5EF4-FFF2-40B4-BE49-F238E27FC236}">
+                <a16:creationId xmlns:a16="http://schemas.microsoft.com/office/drawing/2014/main" id="{C16D27A2-01E2-639D-E1A6-1A9A4535D90D}"/>
+              </a:ext>
+            </a:extLst>
+          </p:cNvPr>
+          <p:cNvCxnSpPr>
+            <a:cxnSpLocks/>
+          </p:cNvCxnSpPr>
+          <p:nvPr/>
+        </p:nvCxnSpPr>
+        <p:spPr>
+          <a:xfrm>
+            <a:off x="3095625" y="969145"/>
+            <a:ext cx="2445409" cy="0"/>
+          </a:xfrm>
+          <a:prstGeom prst="line">
+            <a:avLst/>
+          </a:prstGeom>
+        </p:spPr>
+        <p:style>
+          <a:lnRef idx="1">
+            <a:schemeClr val="accent2"/>
+          </a:lnRef>
+          <a:fillRef idx="0">
+            <a:schemeClr val="accent2"/>
+          </a:fillRef>
+          <a:effectRef idx="0">
+            <a:schemeClr val="accent2"/>
+          </a:effectRef>
+          <a:fontRef idx="minor">
+            <a:schemeClr val="tx1"/>
+          </a:fontRef>
+        </p:style>
+      </p:cxnSp>
+      <p:cxnSp>
+        <p:nvCxnSpPr>
+          <p:cNvPr id="37" name="Straight Connector 36">
+            <a:extLst>
+              <a:ext uri="{FF2B5EF4-FFF2-40B4-BE49-F238E27FC236}">
+                <a16:creationId xmlns:a16="http://schemas.microsoft.com/office/drawing/2014/main" id="{8D7F8F3B-7666-A19A-D697-ACD1EE55B7A6}"/>
+              </a:ext>
+            </a:extLst>
+          </p:cNvPr>
+          <p:cNvCxnSpPr>
+            <a:cxnSpLocks/>
+          </p:cNvCxnSpPr>
+          <p:nvPr/>
+        </p:nvCxnSpPr>
+        <p:spPr>
+          <a:xfrm>
+            <a:off x="3095625" y="1121544"/>
+            <a:ext cx="2445409" cy="0"/>
+          </a:xfrm>
+          <a:prstGeom prst="line">
+            <a:avLst/>
+          </a:prstGeom>
+        </p:spPr>
+        <p:style>
+          <a:lnRef idx="1">
+            <a:schemeClr val="accent2"/>
+          </a:lnRef>
+          <a:fillRef idx="0">
+            <a:schemeClr val="accent2"/>
+          </a:fillRef>
+          <a:effectRef idx="0">
+            <a:schemeClr val="accent2"/>
+          </a:effectRef>
+          <a:fontRef idx="minor">
+            <a:schemeClr val="tx1"/>
+          </a:fontRef>
+        </p:style>
+      </p:cxnSp>
+      <p:cxnSp>
+        <p:nvCxnSpPr>
+          <p:cNvPr id="39" name="Straight Connector 38">
+            <a:extLst>
+              <a:ext uri="{FF2B5EF4-FFF2-40B4-BE49-F238E27FC236}">
+                <a16:creationId xmlns:a16="http://schemas.microsoft.com/office/drawing/2014/main" id="{2599A9FE-6A88-4977-26F2-7DB095929DB2}"/>
+              </a:ext>
+            </a:extLst>
+          </p:cNvPr>
+          <p:cNvCxnSpPr>
+            <a:cxnSpLocks/>
+          </p:cNvCxnSpPr>
+          <p:nvPr/>
+        </p:nvCxnSpPr>
+        <p:spPr>
+          <a:xfrm>
+            <a:off x="3095625" y="1389354"/>
+            <a:ext cx="2445409" cy="0"/>
+          </a:xfrm>
+          <a:prstGeom prst="line">
+            <a:avLst/>
+          </a:prstGeom>
+        </p:spPr>
+        <p:style>
+          <a:lnRef idx="1">
+            <a:schemeClr val="accent2"/>
+          </a:lnRef>
+          <a:fillRef idx="0">
+            <a:schemeClr val="accent2"/>
+          </a:fillRef>
+          <a:effectRef idx="0">
+            <a:schemeClr val="accent2"/>
+          </a:effectRef>
+          <a:fontRef idx="minor">
+            <a:schemeClr val="tx1"/>
+          </a:fontRef>
+        </p:style>
+      </p:cxnSp>
+      <p:cxnSp>
+        <p:nvCxnSpPr>
+          <p:cNvPr id="40" name="Straight Connector 39">
+            <a:extLst>
+              <a:ext uri="{FF2B5EF4-FFF2-40B4-BE49-F238E27FC236}">
+                <a16:creationId xmlns:a16="http://schemas.microsoft.com/office/drawing/2014/main" id="{66E10CAD-6946-A759-25A0-957B60C28347}"/>
+              </a:ext>
+            </a:extLst>
+          </p:cNvPr>
+          <p:cNvCxnSpPr>
+            <a:cxnSpLocks/>
+          </p:cNvCxnSpPr>
+          <p:nvPr/>
+        </p:nvCxnSpPr>
+        <p:spPr>
+          <a:xfrm>
+            <a:off x="3095625" y="1522519"/>
+            <a:ext cx="2445409" cy="0"/>
+          </a:xfrm>
+          <a:prstGeom prst="line">
+            <a:avLst/>
+          </a:prstGeom>
+        </p:spPr>
+        <p:style>
+          <a:lnRef idx="1">
+            <a:schemeClr val="accent2"/>
+          </a:lnRef>
+          <a:fillRef idx="0">
+            <a:schemeClr val="accent2"/>
+          </a:fillRef>
+          <a:effectRef idx="0">
+            <a:schemeClr val="accent2"/>
+          </a:effectRef>
+          <a:fontRef idx="minor">
+            <a:schemeClr val="tx1"/>
+          </a:fontRef>
+        </p:style>
+      </p:cxnSp>
+      <p:cxnSp>
+        <p:nvCxnSpPr>
+          <p:cNvPr id="41" name="Straight Connector 40">
+            <a:extLst>
+              <a:ext uri="{FF2B5EF4-FFF2-40B4-BE49-F238E27FC236}">
+                <a16:creationId xmlns:a16="http://schemas.microsoft.com/office/drawing/2014/main" id="{68B8F9E7-E989-9CA4-77A3-3B87CAC79661}"/>
+              </a:ext>
+            </a:extLst>
+          </p:cNvPr>
+          <p:cNvCxnSpPr>
+            <a:cxnSpLocks/>
+          </p:cNvCxnSpPr>
+          <p:nvPr/>
+        </p:nvCxnSpPr>
+        <p:spPr>
+          <a:xfrm>
+            <a:off x="3095625" y="1646806"/>
+            <a:ext cx="2445409" cy="0"/>
+          </a:xfrm>
+          <a:prstGeom prst="line">
+            <a:avLst/>
+          </a:prstGeom>
+        </p:spPr>
+        <p:style>
+          <a:lnRef idx="1">
+            <a:schemeClr val="accent2"/>
+          </a:lnRef>
+          <a:fillRef idx="0">
+            <a:schemeClr val="accent2"/>
+          </a:fillRef>
+          <a:effectRef idx="0">
+            <a:schemeClr val="accent2"/>
+          </a:effectRef>
+          <a:fontRef idx="minor">
+            <a:schemeClr val="tx1"/>
+          </a:fontRef>
+        </p:style>
+      </p:cxnSp>
+      <p:sp>
+        <p:nvSpPr>
+          <p:cNvPr id="43" name="TextBox 42">
+            <a:extLst>
+              <a:ext uri="{FF2B5EF4-FFF2-40B4-BE49-F238E27FC236}">
+                <a16:creationId xmlns:a16="http://schemas.microsoft.com/office/drawing/2014/main" id="{86E641FD-337C-722F-D9CF-84180A12D651}"/>
+              </a:ext>
+            </a:extLst>
+          </p:cNvPr>
+          <p:cNvSpPr txBox="1"/>
+          <p:nvPr/>
+        </p:nvSpPr>
+        <p:spPr>
+          <a:xfrm>
+            <a:off x="1795419" y="4432917"/>
+            <a:ext cx="1299105" cy="646331"/>
+          </a:xfrm>
+          <a:prstGeom prst="rect">
+            <a:avLst/>
+          </a:prstGeom>
+        </p:spPr>
+        <p:style>
+          <a:lnRef idx="2">
+            <a:schemeClr val="dk1"/>
+          </a:lnRef>
+          <a:fillRef idx="1">
+            <a:schemeClr val="lt1"/>
+          </a:fillRef>
+          <a:effectRef idx="0">
+            <a:schemeClr val="dk1"/>
+          </a:effectRef>
+          <a:fontRef idx="minor">
+            <a:schemeClr val="dk1"/>
+          </a:fontRef>
+        </p:style>
+        <p:txBody>
+          <a:bodyPr wrap="square" rtlCol="0">
+            <a:spAutoFit/>
+          </a:bodyPr>
+          <a:lstStyle/>
+          <a:p>
+            <a:r>
+              <a:rPr lang="en-US" sz="900" dirty="0">
+                <a:solidFill>
+                  <a:srgbClr val="FF0000"/>
+                </a:solidFill>
+              </a:rPr>
+              <a:t>Input</a:t>
+            </a:r>
+            <a:r>
+              <a:rPr lang="en-US" sz="900" dirty="0">
+                <a:solidFill>
+                  <a:schemeClr val="tx1"/>
+                </a:solidFill>
+              </a:rPr>
+              <a:t> </a:t>
+            </a:r>
+            <a:r>
+              <a:rPr lang="en-US" sz="900" dirty="0" err="1">
+                <a:solidFill>
+                  <a:schemeClr val="tx1"/>
+                </a:solidFill>
+              </a:rPr>
+              <a:t>chip_id</a:t>
+            </a:r>
+            <a:endParaRPr lang="en-US" sz="900" dirty="0">
+              <a:solidFill>
+                <a:schemeClr val="tx1"/>
+              </a:solidFill>
+            </a:endParaRPr>
+          </a:p>
+          <a:p>
+            <a:r>
+              <a:rPr lang="en-US" sz="900" dirty="0">
+                <a:solidFill>
+                  <a:srgbClr val="0070C0"/>
+                </a:solidFill>
+              </a:rPr>
+              <a:t>Output</a:t>
+            </a:r>
+            <a:r>
+              <a:rPr lang="en-US" sz="900" dirty="0"/>
+              <a:t> </a:t>
+            </a:r>
+            <a:r>
+              <a:rPr lang="en-US" sz="900" dirty="0" err="1"/>
+              <a:t>slave_reg_addr</a:t>
+            </a:r>
+            <a:endParaRPr lang="en-US" sz="900" dirty="0"/>
+          </a:p>
+          <a:p>
+            <a:endParaRPr lang="en-US" sz="900" dirty="0">
+              <a:solidFill>
+                <a:srgbClr val="FF0000"/>
+              </a:solidFill>
+            </a:endParaRPr>
+          </a:p>
+          <a:p>
+            <a:r>
+              <a:rPr lang="en-US" sz="900" dirty="0">
+                <a:solidFill>
+                  <a:srgbClr val="0070C0"/>
+                </a:solidFill>
+              </a:rPr>
+              <a:t>Output</a:t>
+            </a:r>
+            <a:r>
+              <a:rPr lang="en-US" sz="900" dirty="0"/>
+              <a:t> </a:t>
+            </a:r>
+            <a:r>
+              <a:rPr lang="en-US" sz="900" dirty="0" err="1"/>
+              <a:t>slave_write_en</a:t>
+            </a:r>
+            <a:endParaRPr lang="en-US" sz="900" dirty="0"/>
+          </a:p>
+        </p:txBody>
+      </p:sp>
+      <p:cxnSp>
+        <p:nvCxnSpPr>
+          <p:cNvPr id="44" name="Straight Connector 43">
+            <a:extLst>
+              <a:ext uri="{FF2B5EF4-FFF2-40B4-BE49-F238E27FC236}">
+                <a16:creationId xmlns:a16="http://schemas.microsoft.com/office/drawing/2014/main" id="{69B9CE2C-F2C0-3703-F7AA-3F2A89FECDF0}"/>
+              </a:ext>
+            </a:extLst>
+          </p:cNvPr>
+          <p:cNvCxnSpPr>
+            <a:cxnSpLocks/>
+          </p:cNvCxnSpPr>
+          <p:nvPr/>
+        </p:nvCxnSpPr>
+        <p:spPr>
+          <a:xfrm>
+            <a:off x="3095625" y="4506896"/>
+            <a:ext cx="2445409" cy="0"/>
+          </a:xfrm>
+          <a:prstGeom prst="line">
+            <a:avLst/>
+          </a:prstGeom>
+        </p:spPr>
+        <p:style>
+          <a:lnRef idx="1">
+            <a:schemeClr val="accent2"/>
+          </a:lnRef>
+          <a:fillRef idx="0">
+            <a:schemeClr val="accent2"/>
+          </a:fillRef>
+          <a:effectRef idx="0">
+            <a:schemeClr val="accent2"/>
+          </a:effectRef>
+          <a:fontRef idx="minor">
+            <a:schemeClr val="tx1"/>
+          </a:fontRef>
+        </p:style>
+      </p:cxnSp>
+      <p:cxnSp>
+        <p:nvCxnSpPr>
+          <p:cNvPr id="45" name="Straight Connector 44">
+            <a:extLst>
+              <a:ext uri="{FF2B5EF4-FFF2-40B4-BE49-F238E27FC236}">
+                <a16:creationId xmlns:a16="http://schemas.microsoft.com/office/drawing/2014/main" id="{EE825498-DA08-5DD2-6845-F4F88676B286}"/>
+              </a:ext>
+            </a:extLst>
+          </p:cNvPr>
+          <p:cNvCxnSpPr>
+            <a:cxnSpLocks/>
+          </p:cNvCxnSpPr>
+          <p:nvPr/>
+        </p:nvCxnSpPr>
+        <p:spPr>
+          <a:xfrm>
+            <a:off x="3095625" y="1781451"/>
+            <a:ext cx="2445409" cy="0"/>
+          </a:xfrm>
+          <a:prstGeom prst="line">
+            <a:avLst/>
+          </a:prstGeom>
+        </p:spPr>
+        <p:style>
+          <a:lnRef idx="1">
+            <a:schemeClr val="accent2"/>
+          </a:lnRef>
+          <a:fillRef idx="0">
+            <a:schemeClr val="accent2"/>
+          </a:fillRef>
+          <a:effectRef idx="0">
+            <a:schemeClr val="accent2"/>
+          </a:effectRef>
+          <a:fontRef idx="minor">
+            <a:schemeClr val="tx1"/>
+          </a:fontRef>
+        </p:style>
+      </p:cxnSp>
+      <p:cxnSp>
+        <p:nvCxnSpPr>
+          <p:cNvPr id="46" name="Straight Connector 45">
+            <a:extLst>
+              <a:ext uri="{FF2B5EF4-FFF2-40B4-BE49-F238E27FC236}">
+                <a16:creationId xmlns:a16="http://schemas.microsoft.com/office/drawing/2014/main" id="{61529D51-F378-50E1-877D-21DD0C2E811A}"/>
+              </a:ext>
+            </a:extLst>
+          </p:cNvPr>
+          <p:cNvCxnSpPr>
+            <a:cxnSpLocks/>
+          </p:cNvCxnSpPr>
+          <p:nvPr/>
+        </p:nvCxnSpPr>
+        <p:spPr>
+          <a:xfrm>
+            <a:off x="3095625" y="4650418"/>
+            <a:ext cx="2445409" cy="0"/>
+          </a:xfrm>
+          <a:prstGeom prst="line">
+            <a:avLst/>
+          </a:prstGeom>
+        </p:spPr>
+        <p:style>
+          <a:lnRef idx="1">
+            <a:schemeClr val="accent2"/>
+          </a:lnRef>
+          <a:fillRef idx="0">
+            <a:schemeClr val="accent2"/>
+          </a:fillRef>
+          <a:effectRef idx="0">
+            <a:schemeClr val="accent2"/>
+          </a:effectRef>
+          <a:fontRef idx="minor">
+            <a:schemeClr val="tx1"/>
+          </a:fontRef>
+        </p:style>
+      </p:cxnSp>
+      <p:cxnSp>
+        <p:nvCxnSpPr>
+          <p:cNvPr id="47" name="Straight Connector 46">
+            <a:extLst>
+              <a:ext uri="{FF2B5EF4-FFF2-40B4-BE49-F238E27FC236}">
+                <a16:creationId xmlns:a16="http://schemas.microsoft.com/office/drawing/2014/main" id="{88410553-D0AF-113F-9A58-8E90354CBA4A}"/>
+              </a:ext>
+            </a:extLst>
+          </p:cNvPr>
+          <p:cNvCxnSpPr>
+            <a:cxnSpLocks/>
+          </p:cNvCxnSpPr>
+          <p:nvPr/>
+        </p:nvCxnSpPr>
+        <p:spPr>
+          <a:xfrm>
+            <a:off x="3095625" y="4927105"/>
+            <a:ext cx="2445409" cy="0"/>
+          </a:xfrm>
+          <a:prstGeom prst="line">
+            <a:avLst/>
+          </a:prstGeom>
+        </p:spPr>
+        <p:style>
+          <a:lnRef idx="1">
+            <a:schemeClr val="accent2"/>
+          </a:lnRef>
+          <a:fillRef idx="0">
+            <a:schemeClr val="accent2"/>
+          </a:fillRef>
+          <a:effectRef idx="0">
+            <a:schemeClr val="accent2"/>
+          </a:effectRef>
+          <a:fontRef idx="minor">
+            <a:schemeClr val="tx1"/>
+          </a:fontRef>
+        </p:style>
+      </p:cxnSp>
+      <p:sp>
+        <p:nvSpPr>
+          <p:cNvPr id="48" name="TextBox 47">
+            <a:extLst>
+              <a:ext uri="{FF2B5EF4-FFF2-40B4-BE49-F238E27FC236}">
+                <a16:creationId xmlns:a16="http://schemas.microsoft.com/office/drawing/2014/main" id="{89FD0799-13FB-0B0F-C468-DA0103EC103A}"/>
+              </a:ext>
+            </a:extLst>
+          </p:cNvPr>
+          <p:cNvSpPr txBox="1"/>
+          <p:nvPr/>
+        </p:nvSpPr>
+        <p:spPr>
+          <a:xfrm>
+            <a:off x="195310" y="1269507"/>
+            <a:ext cx="1409154" cy="369332"/>
+          </a:xfrm>
+          <a:prstGeom prst="rect">
+            <a:avLst/>
+          </a:prstGeom>
+        </p:spPr>
+        <p:style>
+          <a:lnRef idx="2">
+            <a:schemeClr val="dk1"/>
+          </a:lnRef>
+          <a:fillRef idx="1">
+            <a:schemeClr val="lt1"/>
+          </a:fillRef>
+          <a:effectRef idx="0">
+            <a:schemeClr val="dk1"/>
+          </a:effectRef>
+          <a:fontRef idx="minor">
+            <a:schemeClr val="dk1"/>
+          </a:fontRef>
+        </p:style>
+        <p:txBody>
+          <a:bodyPr wrap="square" rtlCol="0">
+            <a:spAutoFit/>
+          </a:bodyPr>
+          <a:lstStyle/>
+          <a:p>
+            <a:r>
+              <a:rPr lang="en-US" dirty="0"/>
+              <a:t>Master Logic</a:t>
+            </a:r>
+          </a:p>
+        </p:txBody>
+      </p:sp>
+      <p:sp>
+        <p:nvSpPr>
+          <p:cNvPr id="49" name="TextBox 48">
+            <a:extLst>
+              <a:ext uri="{FF2B5EF4-FFF2-40B4-BE49-F238E27FC236}">
+                <a16:creationId xmlns:a16="http://schemas.microsoft.com/office/drawing/2014/main" id="{B4D519F2-7BF0-DA1E-3349-F3A8021C69EA}"/>
+              </a:ext>
+            </a:extLst>
+          </p:cNvPr>
+          <p:cNvSpPr txBox="1"/>
+          <p:nvPr/>
+        </p:nvSpPr>
+        <p:spPr>
+          <a:xfrm>
+            <a:off x="195310" y="4557773"/>
+            <a:ext cx="1409153" cy="369332"/>
+          </a:xfrm>
+          <a:prstGeom prst="rect">
+            <a:avLst/>
+          </a:prstGeom>
+        </p:spPr>
+        <p:style>
+          <a:lnRef idx="2">
+            <a:schemeClr val="dk1"/>
+          </a:lnRef>
+          <a:fillRef idx="1">
+            <a:schemeClr val="lt1"/>
+          </a:fillRef>
+          <a:effectRef idx="0">
+            <a:schemeClr val="dk1"/>
+          </a:effectRef>
+          <a:fontRef idx="minor">
+            <a:schemeClr val="dk1"/>
+          </a:fontRef>
+        </p:style>
+        <p:txBody>
+          <a:bodyPr wrap="square" rtlCol="0">
+            <a:spAutoFit/>
+          </a:bodyPr>
+          <a:lstStyle/>
+          <a:p>
+            <a:r>
+              <a:rPr lang="en-US" dirty="0"/>
+              <a:t>Slave Logic</a:t>
+            </a:r>
+          </a:p>
+        </p:txBody>
+      </p:sp>
+      <p:sp>
+        <p:nvSpPr>
+          <p:cNvPr id="50" name="TextBox 49">
+            <a:extLst>
+              <a:ext uri="{FF2B5EF4-FFF2-40B4-BE49-F238E27FC236}">
+                <a16:creationId xmlns:a16="http://schemas.microsoft.com/office/drawing/2014/main" id="{2BC72D97-87F6-87A4-84A2-BCEE053A94ED}"/>
+              </a:ext>
+            </a:extLst>
+          </p:cNvPr>
+          <p:cNvSpPr txBox="1"/>
+          <p:nvPr/>
+        </p:nvSpPr>
+        <p:spPr>
+          <a:xfrm>
+            <a:off x="195309" y="2913640"/>
+            <a:ext cx="1409154" cy="369332"/>
+          </a:xfrm>
+          <a:prstGeom prst="rect">
+            <a:avLst/>
+          </a:prstGeom>
+        </p:spPr>
+        <p:style>
+          <a:lnRef idx="2">
+            <a:schemeClr val="dk1"/>
+          </a:lnRef>
+          <a:fillRef idx="1">
+            <a:schemeClr val="lt1"/>
+          </a:fillRef>
+          <a:effectRef idx="0">
+            <a:schemeClr val="dk1"/>
+          </a:effectRef>
+          <a:fontRef idx="minor">
+            <a:schemeClr val="dk1"/>
+          </a:fontRef>
+        </p:style>
+        <p:txBody>
+          <a:bodyPr wrap="square" rtlCol="0">
+            <a:spAutoFit/>
+          </a:bodyPr>
+          <a:lstStyle/>
+          <a:p>
+            <a:r>
+              <a:rPr lang="en-US" dirty="0"/>
+              <a:t>Data Path</a:t>
+            </a:r>
+          </a:p>
+        </p:txBody>
+      </p:sp>
+      <p:sp>
+        <p:nvSpPr>
+          <p:cNvPr id="51" name="TextBox 50">
+            <a:extLst>
+              <a:ext uri="{FF2B5EF4-FFF2-40B4-BE49-F238E27FC236}">
+                <a16:creationId xmlns:a16="http://schemas.microsoft.com/office/drawing/2014/main" id="{4E957B12-1AF8-08AC-BCA3-FF772EFB0F39}"/>
+              </a:ext>
+            </a:extLst>
+          </p:cNvPr>
+          <p:cNvSpPr txBox="1"/>
+          <p:nvPr/>
+        </p:nvSpPr>
+        <p:spPr>
+          <a:xfrm>
+            <a:off x="2014130" y="2564432"/>
+            <a:ext cx="1080394" cy="1061829"/>
+          </a:xfrm>
+          <a:prstGeom prst="rect">
+            <a:avLst/>
+          </a:prstGeom>
+        </p:spPr>
+        <p:style>
+          <a:lnRef idx="2">
+            <a:schemeClr val="dk1"/>
+          </a:lnRef>
+          <a:fillRef idx="1">
+            <a:schemeClr val="lt1"/>
+          </a:fillRef>
+          <a:effectRef idx="0">
+            <a:schemeClr val="dk1"/>
+          </a:effectRef>
+          <a:fontRef idx="minor">
+            <a:schemeClr val="dk1"/>
+          </a:fontRef>
+        </p:style>
+        <p:txBody>
+          <a:bodyPr wrap="square" rtlCol="0">
+            <a:spAutoFit/>
+          </a:bodyPr>
+          <a:lstStyle/>
+          <a:p>
+            <a:r>
+              <a:rPr lang="en-US" sz="900" dirty="0">
+                <a:solidFill>
+                  <a:srgbClr val="FF0000"/>
+                </a:solidFill>
+              </a:rPr>
+              <a:t>Input </a:t>
+            </a:r>
+            <a:r>
+              <a:rPr lang="en-US" sz="900" dirty="0"/>
+              <a:t>data_in</a:t>
+            </a:r>
+          </a:p>
+          <a:p>
+            <a:endParaRPr lang="en-US" sz="900" dirty="0"/>
+          </a:p>
+          <a:p>
+            <a:r>
+              <a:rPr lang="en-US" sz="900" dirty="0">
+                <a:solidFill>
+                  <a:srgbClr val="0070C0"/>
+                </a:solidFill>
+              </a:rPr>
+              <a:t>Output</a:t>
+            </a:r>
+            <a:r>
+              <a:rPr lang="en-US" sz="900" dirty="0"/>
+              <a:t> data_out</a:t>
+            </a:r>
+          </a:p>
+          <a:p>
+            <a:endParaRPr lang="en-US" sz="900" dirty="0"/>
+          </a:p>
+          <a:p>
+            <a:r>
+              <a:rPr lang="en-US" sz="900" dirty="0">
+                <a:solidFill>
+                  <a:srgbClr val="0070C0"/>
+                </a:solidFill>
+              </a:rPr>
+              <a:t>Output</a:t>
+            </a:r>
+            <a:r>
+              <a:rPr lang="en-US" sz="900" dirty="0"/>
+              <a:t> done</a:t>
+            </a:r>
+          </a:p>
+          <a:p>
+            <a:endParaRPr lang="en-US" sz="900" dirty="0"/>
+          </a:p>
+          <a:p>
+            <a:r>
+              <a:rPr lang="en-US" sz="900" dirty="0">
+                <a:solidFill>
+                  <a:srgbClr val="0070C0"/>
+                </a:solidFill>
+              </a:rPr>
+              <a:t>Output</a:t>
+            </a:r>
+            <a:r>
+              <a:rPr lang="en-US" sz="900" dirty="0"/>
+              <a:t> busy</a:t>
+            </a:r>
+          </a:p>
+        </p:txBody>
+      </p:sp>
+      <p:cxnSp>
+        <p:nvCxnSpPr>
+          <p:cNvPr id="53" name="Straight Connector 52">
+            <a:extLst>
+              <a:ext uri="{FF2B5EF4-FFF2-40B4-BE49-F238E27FC236}">
+                <a16:creationId xmlns:a16="http://schemas.microsoft.com/office/drawing/2014/main" id="{52FA3AB0-31CE-6450-F0F6-5058B8B50A6B}"/>
+              </a:ext>
+            </a:extLst>
+          </p:cNvPr>
+          <p:cNvCxnSpPr/>
+          <p:nvPr/>
+        </p:nvCxnSpPr>
+        <p:spPr>
+          <a:xfrm flipH="1">
+            <a:off x="4891596" y="1269507"/>
+            <a:ext cx="649438" cy="0"/>
+          </a:xfrm>
+          <a:prstGeom prst="line">
+            <a:avLst/>
+          </a:prstGeom>
+        </p:spPr>
+        <p:style>
+          <a:lnRef idx="1">
+            <a:schemeClr val="accent5"/>
+          </a:lnRef>
+          <a:fillRef idx="0">
+            <a:schemeClr val="accent5"/>
+          </a:fillRef>
+          <a:effectRef idx="0">
+            <a:schemeClr val="accent5"/>
+          </a:effectRef>
+          <a:fontRef idx="minor">
+            <a:schemeClr val="tx1"/>
+          </a:fontRef>
+        </p:style>
+      </p:cxnSp>
+      <p:cxnSp>
+        <p:nvCxnSpPr>
+          <p:cNvPr id="54" name="Straight Connector 53">
+            <a:extLst>
+              <a:ext uri="{FF2B5EF4-FFF2-40B4-BE49-F238E27FC236}">
+                <a16:creationId xmlns:a16="http://schemas.microsoft.com/office/drawing/2014/main" id="{5F1501EB-7BA3-3F0F-AC3D-5F655DAE68D5}"/>
+              </a:ext>
+            </a:extLst>
+          </p:cNvPr>
+          <p:cNvCxnSpPr>
+            <a:cxnSpLocks/>
+          </p:cNvCxnSpPr>
+          <p:nvPr/>
+        </p:nvCxnSpPr>
+        <p:spPr>
+          <a:xfrm flipH="1">
+            <a:off x="4475163" y="1918339"/>
+            <a:ext cx="1065871" cy="0"/>
+          </a:xfrm>
+          <a:prstGeom prst="line">
+            <a:avLst/>
+          </a:prstGeom>
+        </p:spPr>
+        <p:style>
+          <a:lnRef idx="1">
+            <a:schemeClr val="accent5"/>
+          </a:lnRef>
+          <a:fillRef idx="0">
+            <a:schemeClr val="accent5"/>
+          </a:fillRef>
+          <a:effectRef idx="0">
+            <a:schemeClr val="accent5"/>
+          </a:effectRef>
+          <a:fontRef idx="minor">
+            <a:schemeClr val="tx1"/>
+          </a:fontRef>
+        </p:style>
+      </p:cxnSp>
+      <p:cxnSp>
+        <p:nvCxnSpPr>
+          <p:cNvPr id="55" name="Straight Connector 54">
+            <a:extLst>
+              <a:ext uri="{FF2B5EF4-FFF2-40B4-BE49-F238E27FC236}">
+                <a16:creationId xmlns:a16="http://schemas.microsoft.com/office/drawing/2014/main" id="{78E2DB6E-FBDC-9E6D-E78B-CE52D5AB8A94}"/>
+              </a:ext>
+            </a:extLst>
+          </p:cNvPr>
+          <p:cNvCxnSpPr>
+            <a:cxnSpLocks/>
+          </p:cNvCxnSpPr>
+          <p:nvPr/>
+        </p:nvCxnSpPr>
+        <p:spPr>
+          <a:xfrm flipH="1" flipV="1">
+            <a:off x="4618040" y="2080198"/>
+            <a:ext cx="929930" cy="135"/>
+          </a:xfrm>
+          <a:prstGeom prst="line">
+            <a:avLst/>
+          </a:prstGeom>
+        </p:spPr>
+        <p:style>
+          <a:lnRef idx="1">
+            <a:schemeClr val="accent5"/>
+          </a:lnRef>
+          <a:fillRef idx="0">
+            <a:schemeClr val="accent5"/>
+          </a:fillRef>
+          <a:effectRef idx="0">
+            <a:schemeClr val="accent5"/>
+          </a:effectRef>
+          <a:fontRef idx="minor">
+            <a:schemeClr val="tx1"/>
+          </a:fontRef>
+        </p:style>
+      </p:cxnSp>
+      <p:cxnSp>
+        <p:nvCxnSpPr>
+          <p:cNvPr id="56" name="Straight Connector 55">
+            <a:extLst>
+              <a:ext uri="{FF2B5EF4-FFF2-40B4-BE49-F238E27FC236}">
+                <a16:creationId xmlns:a16="http://schemas.microsoft.com/office/drawing/2014/main" id="{D15B367B-5FB5-E560-7D8C-10EBCE043A5C}"/>
+              </a:ext>
+            </a:extLst>
+          </p:cNvPr>
+          <p:cNvCxnSpPr>
+            <a:cxnSpLocks/>
+          </p:cNvCxnSpPr>
+          <p:nvPr/>
+        </p:nvCxnSpPr>
+        <p:spPr>
+          <a:xfrm flipH="1">
+            <a:off x="4276997" y="2200784"/>
+            <a:ext cx="1264037" cy="0"/>
+          </a:xfrm>
+          <a:prstGeom prst="line">
+            <a:avLst/>
+          </a:prstGeom>
+        </p:spPr>
+        <p:style>
+          <a:lnRef idx="1">
+            <a:schemeClr val="accent5"/>
+          </a:lnRef>
+          <a:fillRef idx="0">
+            <a:schemeClr val="accent5"/>
+          </a:fillRef>
+          <a:effectRef idx="0">
+            <a:schemeClr val="accent5"/>
+          </a:effectRef>
+          <a:fontRef idx="minor">
+            <a:schemeClr val="tx1"/>
+          </a:fontRef>
+        </p:style>
+      </p:cxnSp>
+      <p:cxnSp>
+        <p:nvCxnSpPr>
+          <p:cNvPr id="57" name="Straight Connector 56">
+            <a:extLst>
+              <a:ext uri="{FF2B5EF4-FFF2-40B4-BE49-F238E27FC236}">
+                <a16:creationId xmlns:a16="http://schemas.microsoft.com/office/drawing/2014/main" id="{97056D84-2E7E-D5F5-4BB7-E334FEF1E3B7}"/>
+              </a:ext>
+            </a:extLst>
+          </p:cNvPr>
+          <p:cNvCxnSpPr>
+            <a:cxnSpLocks/>
+          </p:cNvCxnSpPr>
+          <p:nvPr/>
+        </p:nvCxnSpPr>
+        <p:spPr>
+          <a:xfrm flipH="1" flipV="1">
+            <a:off x="3630107" y="4785899"/>
+            <a:ext cx="1910927" cy="8283"/>
+          </a:xfrm>
+          <a:prstGeom prst="line">
+            <a:avLst/>
+          </a:prstGeom>
+        </p:spPr>
+        <p:style>
+          <a:lnRef idx="1">
+            <a:schemeClr val="accent5"/>
+          </a:lnRef>
+          <a:fillRef idx="0">
+            <a:schemeClr val="accent5"/>
+          </a:fillRef>
+          <a:effectRef idx="0">
+            <a:schemeClr val="accent5"/>
+          </a:effectRef>
+          <a:fontRef idx="minor">
+            <a:schemeClr val="tx1"/>
+          </a:fontRef>
+        </p:style>
+      </p:cxnSp>
+      <p:cxnSp>
+        <p:nvCxnSpPr>
+          <p:cNvPr id="58" name="Straight Connector 57">
+            <a:extLst>
+              <a:ext uri="{FF2B5EF4-FFF2-40B4-BE49-F238E27FC236}">
+                <a16:creationId xmlns:a16="http://schemas.microsoft.com/office/drawing/2014/main" id="{7C44E855-B913-32C2-CB6A-878DFC989DBC}"/>
+              </a:ext>
+            </a:extLst>
+          </p:cNvPr>
+          <p:cNvCxnSpPr>
+            <a:cxnSpLocks/>
+          </p:cNvCxnSpPr>
+          <p:nvPr/>
+        </p:nvCxnSpPr>
+        <p:spPr>
+          <a:xfrm flipH="1">
+            <a:off x="4933334" y="5057817"/>
+            <a:ext cx="607700" cy="0"/>
+          </a:xfrm>
+          <a:prstGeom prst="line">
+            <a:avLst/>
+          </a:prstGeom>
+        </p:spPr>
+        <p:style>
+          <a:lnRef idx="1">
+            <a:schemeClr val="accent5"/>
+          </a:lnRef>
+          <a:fillRef idx="0">
+            <a:schemeClr val="accent5"/>
+          </a:fillRef>
+          <a:effectRef idx="0">
+            <a:schemeClr val="accent5"/>
+          </a:effectRef>
+          <a:fontRef idx="minor">
+            <a:schemeClr val="tx1"/>
+          </a:fontRef>
+        </p:style>
+      </p:cxnSp>
+      <p:cxnSp>
+        <p:nvCxnSpPr>
+          <p:cNvPr id="59" name="Straight Connector 58">
+            <a:extLst>
+              <a:ext uri="{FF2B5EF4-FFF2-40B4-BE49-F238E27FC236}">
+                <a16:creationId xmlns:a16="http://schemas.microsoft.com/office/drawing/2014/main" id="{1E52A023-9B8A-1AF5-7371-D0ED0A63965F}"/>
+              </a:ext>
+            </a:extLst>
+          </p:cNvPr>
+          <p:cNvCxnSpPr>
+            <a:cxnSpLocks/>
+          </p:cNvCxnSpPr>
+          <p:nvPr/>
+        </p:nvCxnSpPr>
+        <p:spPr>
+          <a:xfrm flipH="1">
+            <a:off x="4448176" y="5198311"/>
+            <a:ext cx="1092858" cy="0"/>
+          </a:xfrm>
+          <a:prstGeom prst="line">
+            <a:avLst/>
+          </a:prstGeom>
+        </p:spPr>
+        <p:style>
+          <a:lnRef idx="1">
+            <a:schemeClr val="accent5"/>
+          </a:lnRef>
+          <a:fillRef idx="0">
+            <a:schemeClr val="accent5"/>
+          </a:fillRef>
+          <a:effectRef idx="0">
+            <a:schemeClr val="accent5"/>
+          </a:effectRef>
+          <a:fontRef idx="minor">
+            <a:schemeClr val="tx1"/>
+          </a:fontRef>
+        </p:style>
+      </p:cxnSp>
+      <p:cxnSp>
+        <p:nvCxnSpPr>
+          <p:cNvPr id="60" name="Straight Connector 59">
+            <a:extLst>
+              <a:ext uri="{FF2B5EF4-FFF2-40B4-BE49-F238E27FC236}">
+                <a16:creationId xmlns:a16="http://schemas.microsoft.com/office/drawing/2014/main" id="{ADD49DCB-1E66-0ED7-847F-C73E490053D2}"/>
+              </a:ext>
+            </a:extLst>
+          </p:cNvPr>
+          <p:cNvCxnSpPr>
+            <a:cxnSpLocks/>
+          </p:cNvCxnSpPr>
+          <p:nvPr/>
+        </p:nvCxnSpPr>
+        <p:spPr>
+          <a:xfrm flipH="1">
+            <a:off x="4585570" y="5338804"/>
+            <a:ext cx="955464" cy="0"/>
+          </a:xfrm>
+          <a:prstGeom prst="line">
+            <a:avLst/>
+          </a:prstGeom>
+        </p:spPr>
+        <p:style>
+          <a:lnRef idx="1">
+            <a:schemeClr val="accent5"/>
+          </a:lnRef>
+          <a:fillRef idx="0">
+            <a:schemeClr val="accent5"/>
+          </a:fillRef>
+          <a:effectRef idx="0">
+            <a:schemeClr val="accent5"/>
+          </a:effectRef>
+          <a:fontRef idx="minor">
+            <a:schemeClr val="tx1"/>
+          </a:fontRef>
+        </p:style>
+      </p:cxnSp>
+      <p:cxnSp>
+        <p:nvCxnSpPr>
+          <p:cNvPr id="62" name="Straight Connector 61">
+            <a:extLst>
+              <a:ext uri="{FF2B5EF4-FFF2-40B4-BE49-F238E27FC236}">
+                <a16:creationId xmlns:a16="http://schemas.microsoft.com/office/drawing/2014/main" id="{B46BE2FC-22C5-716E-80E7-775FB0044169}"/>
+              </a:ext>
+            </a:extLst>
+          </p:cNvPr>
+          <p:cNvCxnSpPr>
+            <a:cxnSpLocks/>
+          </p:cNvCxnSpPr>
+          <p:nvPr/>
+        </p:nvCxnSpPr>
+        <p:spPr>
+          <a:xfrm flipH="1">
+            <a:off x="3630107" y="1269507"/>
+            <a:ext cx="1261489" cy="0"/>
+          </a:xfrm>
+          <a:prstGeom prst="line">
+            <a:avLst/>
+          </a:prstGeom>
+        </p:spPr>
+        <p:style>
+          <a:lnRef idx="1">
+            <a:schemeClr val="accent1"/>
+          </a:lnRef>
+          <a:fillRef idx="0">
+            <a:schemeClr val="accent1"/>
+          </a:fillRef>
+          <a:effectRef idx="0">
+            <a:schemeClr val="accent1"/>
+          </a:effectRef>
+          <a:fontRef idx="minor">
+            <a:schemeClr val="tx1"/>
+          </a:fontRef>
+        </p:style>
+      </p:cxnSp>
+      <p:cxnSp>
+        <p:nvCxnSpPr>
+          <p:cNvPr id="64" name="Straight Connector 63">
+            <a:extLst>
+              <a:ext uri="{FF2B5EF4-FFF2-40B4-BE49-F238E27FC236}">
+                <a16:creationId xmlns:a16="http://schemas.microsoft.com/office/drawing/2014/main" id="{AA1FE61D-D0AB-67DA-AB85-363E74EFCFBC}"/>
+              </a:ext>
+            </a:extLst>
+          </p:cNvPr>
+          <p:cNvCxnSpPr>
+            <a:cxnSpLocks/>
+          </p:cNvCxnSpPr>
+          <p:nvPr/>
+        </p:nvCxnSpPr>
+        <p:spPr>
+          <a:xfrm>
+            <a:off x="3630107" y="1269507"/>
+            <a:ext cx="0" cy="3516392"/>
+          </a:xfrm>
+          <a:prstGeom prst="line">
+            <a:avLst/>
+          </a:prstGeom>
+        </p:spPr>
+        <p:style>
+          <a:lnRef idx="1">
+            <a:schemeClr val="accent5"/>
+          </a:lnRef>
+          <a:fillRef idx="0">
+            <a:schemeClr val="accent5"/>
+          </a:fillRef>
+          <a:effectRef idx="0">
+            <a:schemeClr val="accent5"/>
+          </a:effectRef>
+          <a:fontRef idx="minor">
+            <a:schemeClr val="tx1"/>
+          </a:fontRef>
+        </p:style>
+      </p:cxnSp>
+      <p:cxnSp>
+        <p:nvCxnSpPr>
+          <p:cNvPr id="68" name="Straight Connector 67">
+            <a:extLst>
+              <a:ext uri="{FF2B5EF4-FFF2-40B4-BE49-F238E27FC236}">
+                <a16:creationId xmlns:a16="http://schemas.microsoft.com/office/drawing/2014/main" id="{F9D58C24-5AB5-E317-897A-1742E417AA92}"/>
+              </a:ext>
+            </a:extLst>
+          </p:cNvPr>
+          <p:cNvCxnSpPr>
+            <a:cxnSpLocks/>
+          </p:cNvCxnSpPr>
+          <p:nvPr/>
+        </p:nvCxnSpPr>
+        <p:spPr>
+          <a:xfrm>
+            <a:off x="3094524" y="2676525"/>
+            <a:ext cx="535583" cy="0"/>
+          </a:xfrm>
+          <a:prstGeom prst="line">
+            <a:avLst/>
+          </a:prstGeom>
+        </p:spPr>
+        <p:style>
+          <a:lnRef idx="1">
+            <a:schemeClr val="accent1"/>
+          </a:lnRef>
+          <a:fillRef idx="0">
+            <a:schemeClr val="accent1"/>
+          </a:fillRef>
+          <a:effectRef idx="0">
+            <a:schemeClr val="accent1"/>
+          </a:effectRef>
+          <a:fontRef idx="minor">
+            <a:schemeClr val="tx1"/>
+          </a:fontRef>
+        </p:style>
+      </p:cxnSp>
+      <p:sp>
+        <p:nvSpPr>
+          <p:cNvPr id="97" name="TextBox 96">
+            <a:extLst>
+              <a:ext uri="{FF2B5EF4-FFF2-40B4-BE49-F238E27FC236}">
+                <a16:creationId xmlns:a16="http://schemas.microsoft.com/office/drawing/2014/main" id="{B5844A17-F766-7447-0A8C-4A35DDB5CCDC}"/>
+              </a:ext>
+            </a:extLst>
+          </p:cNvPr>
+          <p:cNvSpPr txBox="1"/>
+          <p:nvPr/>
+        </p:nvSpPr>
+        <p:spPr>
+          <a:xfrm rot="5400000">
+            <a:off x="3948274" y="2186419"/>
+            <a:ext cx="443274" cy="230832"/>
+          </a:xfrm>
+          <a:prstGeom prst="rect">
+            <a:avLst/>
+          </a:prstGeom>
+        </p:spPr>
+        <p:style>
+          <a:lnRef idx="2">
+            <a:schemeClr val="accent2"/>
+          </a:lnRef>
+          <a:fillRef idx="1">
+            <a:schemeClr val="lt1"/>
+          </a:fillRef>
+          <a:effectRef idx="0">
+            <a:schemeClr val="accent2"/>
+          </a:effectRef>
+          <a:fontRef idx="minor">
+            <a:schemeClr val="dk1"/>
+          </a:fontRef>
+        </p:style>
+        <p:txBody>
+          <a:bodyPr wrap="square" rtlCol="0">
+            <a:spAutoFit/>
+          </a:bodyPr>
+          <a:lstStyle/>
+          <a:p>
+            <a:r>
+              <a:rPr lang="en-US" sz="900" dirty="0"/>
+              <a:t>MUX</a:t>
+            </a:r>
+          </a:p>
+        </p:txBody>
+      </p:sp>
+      <p:sp>
+        <p:nvSpPr>
+          <p:cNvPr id="98" name="TextBox 97">
+            <a:extLst>
+              <a:ext uri="{FF2B5EF4-FFF2-40B4-BE49-F238E27FC236}">
+                <a16:creationId xmlns:a16="http://schemas.microsoft.com/office/drawing/2014/main" id="{4CE051FD-56C8-9FEC-23AB-1E49B9A58540}"/>
+              </a:ext>
+            </a:extLst>
+          </p:cNvPr>
+          <p:cNvSpPr txBox="1"/>
+          <p:nvPr/>
+        </p:nvSpPr>
+        <p:spPr>
+          <a:xfrm rot="5400000">
+            <a:off x="3951632" y="3111849"/>
+            <a:ext cx="443274" cy="230832"/>
+          </a:xfrm>
+          <a:prstGeom prst="rect">
+            <a:avLst/>
+          </a:prstGeom>
+        </p:spPr>
+        <p:style>
+          <a:lnRef idx="2">
+            <a:schemeClr val="accent2"/>
+          </a:lnRef>
+          <a:fillRef idx="1">
+            <a:schemeClr val="lt1"/>
+          </a:fillRef>
+          <a:effectRef idx="0">
+            <a:schemeClr val="accent2"/>
+          </a:effectRef>
+          <a:fontRef idx="minor">
+            <a:schemeClr val="dk1"/>
+          </a:fontRef>
+        </p:style>
+        <p:txBody>
+          <a:bodyPr wrap="square" rtlCol="0">
+            <a:spAutoFit/>
+          </a:bodyPr>
+          <a:lstStyle/>
+          <a:p>
+            <a:r>
+              <a:rPr lang="en-US" sz="900" dirty="0"/>
+              <a:t>MUX</a:t>
+            </a:r>
+          </a:p>
+        </p:txBody>
+      </p:sp>
+      <p:sp>
+        <p:nvSpPr>
+          <p:cNvPr id="99" name="TextBox 98">
+            <a:extLst>
+              <a:ext uri="{FF2B5EF4-FFF2-40B4-BE49-F238E27FC236}">
+                <a16:creationId xmlns:a16="http://schemas.microsoft.com/office/drawing/2014/main" id="{A21EFE4A-A688-119F-AF4F-63DB3E865432}"/>
+              </a:ext>
+            </a:extLst>
+          </p:cNvPr>
+          <p:cNvSpPr txBox="1"/>
+          <p:nvPr/>
+        </p:nvSpPr>
+        <p:spPr>
+          <a:xfrm rot="5400000">
+            <a:off x="3950207" y="3714675"/>
+            <a:ext cx="443274" cy="230832"/>
+          </a:xfrm>
+          <a:prstGeom prst="rect">
+            <a:avLst/>
+          </a:prstGeom>
+        </p:spPr>
+        <p:style>
+          <a:lnRef idx="2">
+            <a:schemeClr val="accent2"/>
+          </a:lnRef>
+          <a:fillRef idx="1">
+            <a:schemeClr val="lt1"/>
+          </a:fillRef>
+          <a:effectRef idx="0">
+            <a:schemeClr val="accent2"/>
+          </a:effectRef>
+          <a:fontRef idx="minor">
+            <a:schemeClr val="dk1"/>
+          </a:fontRef>
+        </p:style>
+        <p:txBody>
+          <a:bodyPr wrap="square" rtlCol="0">
+            <a:spAutoFit/>
+          </a:bodyPr>
+          <a:lstStyle/>
+          <a:p>
+            <a:r>
+              <a:rPr lang="en-US" sz="900" dirty="0"/>
+              <a:t>MUX</a:t>
+            </a:r>
+          </a:p>
+        </p:txBody>
+      </p:sp>
+      <p:cxnSp>
+        <p:nvCxnSpPr>
+          <p:cNvPr id="104" name="Straight Connector 103">
+            <a:extLst>
+              <a:ext uri="{FF2B5EF4-FFF2-40B4-BE49-F238E27FC236}">
+                <a16:creationId xmlns:a16="http://schemas.microsoft.com/office/drawing/2014/main" id="{9233DBFD-2C3C-9DCC-3442-3AC06352F4AE}"/>
+              </a:ext>
+            </a:extLst>
+          </p:cNvPr>
+          <p:cNvCxnSpPr>
+            <a:cxnSpLocks/>
+          </p:cNvCxnSpPr>
+          <p:nvPr/>
+        </p:nvCxnSpPr>
+        <p:spPr>
+          <a:xfrm flipH="1">
+            <a:off x="4933334" y="2369882"/>
+            <a:ext cx="17419" cy="2689410"/>
+          </a:xfrm>
+          <a:prstGeom prst="line">
+            <a:avLst/>
+          </a:prstGeom>
+        </p:spPr>
+        <p:style>
+          <a:lnRef idx="1">
+            <a:schemeClr val="accent5"/>
+          </a:lnRef>
+          <a:fillRef idx="0">
+            <a:schemeClr val="accent5"/>
+          </a:fillRef>
+          <a:effectRef idx="0">
+            <a:schemeClr val="accent5"/>
+          </a:effectRef>
+          <a:fontRef idx="minor">
+            <a:schemeClr val="tx1"/>
+          </a:fontRef>
+        </p:style>
+      </p:cxnSp>
+      <p:cxnSp>
+        <p:nvCxnSpPr>
+          <p:cNvPr id="107" name="Straight Connector 106">
+            <a:extLst>
+              <a:ext uri="{FF2B5EF4-FFF2-40B4-BE49-F238E27FC236}">
+                <a16:creationId xmlns:a16="http://schemas.microsoft.com/office/drawing/2014/main" id="{1F95EC37-32B9-7907-3183-953B36BE6F2C}"/>
+              </a:ext>
+            </a:extLst>
+          </p:cNvPr>
+          <p:cNvCxnSpPr>
+            <a:cxnSpLocks/>
+          </p:cNvCxnSpPr>
+          <p:nvPr/>
+        </p:nvCxnSpPr>
+        <p:spPr>
+          <a:xfrm flipH="1">
+            <a:off x="4285327" y="2368550"/>
+            <a:ext cx="665426" cy="1332"/>
+          </a:xfrm>
+          <a:prstGeom prst="line">
+            <a:avLst/>
+          </a:prstGeom>
+        </p:spPr>
+        <p:style>
+          <a:lnRef idx="1">
+            <a:schemeClr val="accent5"/>
+          </a:lnRef>
+          <a:fillRef idx="0">
+            <a:schemeClr val="accent5"/>
+          </a:fillRef>
+          <a:effectRef idx="0">
+            <a:schemeClr val="accent5"/>
+          </a:effectRef>
+          <a:fontRef idx="minor">
+            <a:schemeClr val="tx1"/>
+          </a:fontRef>
+        </p:style>
+      </p:cxnSp>
+      <p:cxnSp>
+        <p:nvCxnSpPr>
+          <p:cNvPr id="111" name="Straight Connector 110">
+            <a:extLst>
+              <a:ext uri="{FF2B5EF4-FFF2-40B4-BE49-F238E27FC236}">
+                <a16:creationId xmlns:a16="http://schemas.microsoft.com/office/drawing/2014/main" id="{C15BD1C0-F0BB-5886-2E75-C0CCAD98ED64}"/>
+              </a:ext>
+            </a:extLst>
+          </p:cNvPr>
+          <p:cNvCxnSpPr>
+            <a:cxnSpLocks/>
+          </p:cNvCxnSpPr>
+          <p:nvPr/>
+        </p:nvCxnSpPr>
+        <p:spPr>
+          <a:xfrm>
+            <a:off x="3094524" y="2973171"/>
+            <a:ext cx="644039" cy="0"/>
+          </a:xfrm>
+          <a:prstGeom prst="line">
+            <a:avLst/>
+          </a:prstGeom>
+        </p:spPr>
+        <p:style>
+          <a:lnRef idx="1">
+            <a:schemeClr val="accent1"/>
+          </a:lnRef>
+          <a:fillRef idx="0">
+            <a:schemeClr val="accent1"/>
+          </a:fillRef>
+          <a:effectRef idx="0">
+            <a:schemeClr val="accent1"/>
+          </a:effectRef>
+          <a:fontRef idx="minor">
+            <a:schemeClr val="tx1"/>
+          </a:fontRef>
+        </p:style>
+      </p:cxnSp>
+      <p:cxnSp>
+        <p:nvCxnSpPr>
+          <p:cNvPr id="114" name="Straight Connector 113">
+            <a:extLst>
+              <a:ext uri="{FF2B5EF4-FFF2-40B4-BE49-F238E27FC236}">
+                <a16:creationId xmlns:a16="http://schemas.microsoft.com/office/drawing/2014/main" id="{E6696EA2-9BFB-6746-54DA-B4D8815264F1}"/>
+              </a:ext>
+            </a:extLst>
+          </p:cNvPr>
+          <p:cNvCxnSpPr>
+            <a:stCxn id="97" idx="2"/>
+          </p:cNvCxnSpPr>
+          <p:nvPr/>
+        </p:nvCxnSpPr>
+        <p:spPr>
+          <a:xfrm flipH="1">
+            <a:off x="3746893" y="2301835"/>
+            <a:ext cx="307602" cy="0"/>
+          </a:xfrm>
+          <a:prstGeom prst="line">
+            <a:avLst/>
+          </a:prstGeom>
+        </p:spPr>
+        <p:style>
+          <a:lnRef idx="1">
+            <a:schemeClr val="accent1"/>
+          </a:lnRef>
+          <a:fillRef idx="0">
+            <a:schemeClr val="accent1"/>
+          </a:fillRef>
+          <a:effectRef idx="0">
+            <a:schemeClr val="accent1"/>
+          </a:effectRef>
+          <a:fontRef idx="minor">
+            <a:schemeClr val="tx1"/>
+          </a:fontRef>
+        </p:style>
+      </p:cxnSp>
+      <p:cxnSp>
+        <p:nvCxnSpPr>
+          <p:cNvPr id="116" name="Straight Connector 115">
+            <a:extLst>
+              <a:ext uri="{FF2B5EF4-FFF2-40B4-BE49-F238E27FC236}">
+                <a16:creationId xmlns:a16="http://schemas.microsoft.com/office/drawing/2014/main" id="{F6FA8A5E-7ABA-7B9B-6B5C-F7FDBE8AB4AE}"/>
+              </a:ext>
+            </a:extLst>
+          </p:cNvPr>
+          <p:cNvCxnSpPr/>
+          <p:nvPr/>
+        </p:nvCxnSpPr>
+        <p:spPr>
+          <a:xfrm>
+            <a:off x="3738563" y="2301835"/>
+            <a:ext cx="0" cy="671336"/>
+          </a:xfrm>
+          <a:prstGeom prst="line">
+            <a:avLst/>
+          </a:prstGeom>
+        </p:spPr>
+        <p:style>
+          <a:lnRef idx="1">
+            <a:schemeClr val="accent1"/>
+          </a:lnRef>
+          <a:fillRef idx="0">
+            <a:schemeClr val="accent1"/>
+          </a:fillRef>
+          <a:effectRef idx="0">
+            <a:schemeClr val="accent1"/>
+          </a:effectRef>
+          <a:fontRef idx="minor">
+            <a:schemeClr val="tx1"/>
+          </a:fontRef>
+        </p:style>
+      </p:cxnSp>
+      <p:cxnSp>
+        <p:nvCxnSpPr>
+          <p:cNvPr id="118" name="Straight Connector 117">
+            <a:extLst>
+              <a:ext uri="{FF2B5EF4-FFF2-40B4-BE49-F238E27FC236}">
+                <a16:creationId xmlns:a16="http://schemas.microsoft.com/office/drawing/2014/main" id="{96D9AA81-B00F-C0AB-0707-28524CD0BE39}"/>
+              </a:ext>
+            </a:extLst>
+          </p:cNvPr>
+          <p:cNvCxnSpPr>
+            <a:cxnSpLocks/>
+            <a:endCxn id="98" idx="2"/>
+          </p:cNvCxnSpPr>
+          <p:nvPr/>
+        </p:nvCxnSpPr>
+        <p:spPr>
+          <a:xfrm>
+            <a:off x="3094524" y="3227265"/>
+            <a:ext cx="963329" cy="0"/>
+          </a:xfrm>
+          <a:prstGeom prst="line">
+            <a:avLst/>
+          </a:prstGeom>
+        </p:spPr>
+        <p:style>
+          <a:lnRef idx="1">
+            <a:schemeClr val="accent1"/>
+          </a:lnRef>
+          <a:fillRef idx="0">
+            <a:schemeClr val="accent1"/>
+          </a:fillRef>
+          <a:effectRef idx="0">
+            <a:schemeClr val="accent1"/>
+          </a:effectRef>
+          <a:fontRef idx="minor">
+            <a:schemeClr val="tx1"/>
+          </a:fontRef>
+        </p:style>
+      </p:cxnSp>
+      <p:cxnSp>
+        <p:nvCxnSpPr>
+          <p:cNvPr id="123" name="Straight Connector 122">
+            <a:extLst>
+              <a:ext uri="{FF2B5EF4-FFF2-40B4-BE49-F238E27FC236}">
+                <a16:creationId xmlns:a16="http://schemas.microsoft.com/office/drawing/2014/main" id="{28E57017-44E7-65BA-7B76-C24B3379AB49}"/>
+              </a:ext>
+            </a:extLst>
+          </p:cNvPr>
+          <p:cNvCxnSpPr>
+            <a:cxnSpLocks/>
+          </p:cNvCxnSpPr>
+          <p:nvPr/>
+        </p:nvCxnSpPr>
+        <p:spPr>
+          <a:xfrm>
+            <a:off x="3738563" y="3839729"/>
+            <a:ext cx="317865" cy="0"/>
+          </a:xfrm>
+          <a:prstGeom prst="line">
+            <a:avLst/>
+          </a:prstGeom>
+        </p:spPr>
+        <p:style>
+          <a:lnRef idx="1">
+            <a:schemeClr val="accent1"/>
+          </a:lnRef>
+          <a:fillRef idx="0">
+            <a:schemeClr val="accent1"/>
+          </a:fillRef>
+          <a:effectRef idx="0">
+            <a:schemeClr val="accent1"/>
+          </a:effectRef>
+          <a:fontRef idx="minor">
+            <a:schemeClr val="tx1"/>
+          </a:fontRef>
+        </p:style>
+      </p:cxnSp>
+      <p:cxnSp>
+        <p:nvCxnSpPr>
+          <p:cNvPr id="125" name="Straight Connector 124">
+            <a:extLst>
+              <a:ext uri="{FF2B5EF4-FFF2-40B4-BE49-F238E27FC236}">
+                <a16:creationId xmlns:a16="http://schemas.microsoft.com/office/drawing/2014/main" id="{F06C5401-BBD8-D7F9-11BD-1C655476C2D3}"/>
+              </a:ext>
+            </a:extLst>
+          </p:cNvPr>
+          <p:cNvCxnSpPr>
+            <a:cxnSpLocks/>
+          </p:cNvCxnSpPr>
+          <p:nvPr/>
+        </p:nvCxnSpPr>
+        <p:spPr>
+          <a:xfrm>
+            <a:off x="3093099" y="3513015"/>
+            <a:ext cx="645464" cy="0"/>
+          </a:xfrm>
+          <a:prstGeom prst="line">
+            <a:avLst/>
+          </a:prstGeom>
+        </p:spPr>
+        <p:style>
+          <a:lnRef idx="1">
+            <a:schemeClr val="accent1"/>
+          </a:lnRef>
+          <a:fillRef idx="0">
+            <a:schemeClr val="accent1"/>
+          </a:fillRef>
+          <a:effectRef idx="0">
+            <a:schemeClr val="accent1"/>
+          </a:effectRef>
+          <a:fontRef idx="minor">
+            <a:schemeClr val="tx1"/>
+          </a:fontRef>
+        </p:style>
+      </p:cxnSp>
+      <p:cxnSp>
+        <p:nvCxnSpPr>
+          <p:cNvPr id="127" name="Straight Connector 126">
+            <a:extLst>
+              <a:ext uri="{FF2B5EF4-FFF2-40B4-BE49-F238E27FC236}">
+                <a16:creationId xmlns:a16="http://schemas.microsoft.com/office/drawing/2014/main" id="{F54B27A3-D687-1FD5-255E-BEA32D769079}"/>
+              </a:ext>
+            </a:extLst>
+          </p:cNvPr>
+          <p:cNvCxnSpPr>
+            <a:cxnSpLocks/>
+          </p:cNvCxnSpPr>
+          <p:nvPr/>
+        </p:nvCxnSpPr>
+        <p:spPr>
+          <a:xfrm>
+            <a:off x="3738563" y="3513015"/>
+            <a:ext cx="0" cy="326714"/>
+          </a:xfrm>
+          <a:prstGeom prst="line">
+            <a:avLst/>
+          </a:prstGeom>
+        </p:spPr>
+        <p:style>
+          <a:lnRef idx="1">
+            <a:schemeClr val="accent1"/>
+          </a:lnRef>
+          <a:fillRef idx="0">
+            <a:schemeClr val="accent1"/>
+          </a:fillRef>
+          <a:effectRef idx="0">
+            <a:schemeClr val="accent1"/>
+          </a:effectRef>
+          <a:fontRef idx="minor">
+            <a:schemeClr val="tx1"/>
+          </a:fontRef>
+        </p:style>
+      </p:cxnSp>
+      <p:cxnSp>
+        <p:nvCxnSpPr>
+          <p:cNvPr id="129" name="Straight Connector 128">
+            <a:extLst>
+              <a:ext uri="{FF2B5EF4-FFF2-40B4-BE49-F238E27FC236}">
+                <a16:creationId xmlns:a16="http://schemas.microsoft.com/office/drawing/2014/main" id="{A489FC62-9B0F-9B96-5FC1-85B98F8C17CD}"/>
+              </a:ext>
+            </a:extLst>
+          </p:cNvPr>
+          <p:cNvCxnSpPr>
+            <a:cxnSpLocks/>
+          </p:cNvCxnSpPr>
+          <p:nvPr/>
+        </p:nvCxnSpPr>
+        <p:spPr>
+          <a:xfrm flipH="1">
+            <a:off x="4608513" y="2080198"/>
+            <a:ext cx="9527" cy="1652216"/>
+          </a:xfrm>
+          <a:prstGeom prst="line">
+            <a:avLst/>
+          </a:prstGeom>
+        </p:spPr>
+        <p:style>
+          <a:lnRef idx="1">
+            <a:schemeClr val="accent1"/>
+          </a:lnRef>
+          <a:fillRef idx="0">
+            <a:schemeClr val="accent1"/>
+          </a:fillRef>
+          <a:effectRef idx="0">
+            <a:schemeClr val="accent1"/>
+          </a:effectRef>
+          <a:fontRef idx="minor">
+            <a:schemeClr val="tx1"/>
+          </a:fontRef>
+        </p:style>
+      </p:cxnSp>
+      <p:cxnSp>
+        <p:nvCxnSpPr>
+          <p:cNvPr id="130" name="Straight Connector 129">
+            <a:extLst>
+              <a:ext uri="{FF2B5EF4-FFF2-40B4-BE49-F238E27FC236}">
+                <a16:creationId xmlns:a16="http://schemas.microsoft.com/office/drawing/2014/main" id="{887201F2-D0EF-EFFF-AF17-6105479AF285}"/>
+              </a:ext>
+            </a:extLst>
+          </p:cNvPr>
+          <p:cNvCxnSpPr>
+            <a:cxnSpLocks/>
+          </p:cNvCxnSpPr>
+          <p:nvPr/>
+        </p:nvCxnSpPr>
+        <p:spPr>
+          <a:xfrm flipH="1">
+            <a:off x="4474369" y="1918339"/>
+            <a:ext cx="794" cy="1174905"/>
+          </a:xfrm>
+          <a:prstGeom prst="line">
+            <a:avLst/>
+          </a:prstGeom>
+        </p:spPr>
+        <p:style>
+          <a:lnRef idx="1">
+            <a:schemeClr val="accent1"/>
+          </a:lnRef>
+          <a:fillRef idx="0">
+            <a:schemeClr val="accent1"/>
+          </a:fillRef>
+          <a:effectRef idx="0">
+            <a:schemeClr val="accent1"/>
+          </a:effectRef>
+          <a:fontRef idx="minor">
+            <a:schemeClr val="tx1"/>
+          </a:fontRef>
+        </p:style>
+      </p:cxnSp>
+      <p:cxnSp>
+        <p:nvCxnSpPr>
+          <p:cNvPr id="131" name="Straight Connector 130">
+            <a:extLst>
+              <a:ext uri="{FF2B5EF4-FFF2-40B4-BE49-F238E27FC236}">
+                <a16:creationId xmlns:a16="http://schemas.microsoft.com/office/drawing/2014/main" id="{318D828B-6F9E-1A12-0E4C-2C8F35541C81}"/>
+              </a:ext>
+            </a:extLst>
+          </p:cNvPr>
+          <p:cNvCxnSpPr>
+            <a:cxnSpLocks/>
+          </p:cNvCxnSpPr>
+          <p:nvPr/>
+        </p:nvCxnSpPr>
+        <p:spPr>
+          <a:xfrm flipH="1">
+            <a:off x="4448176" y="3343275"/>
+            <a:ext cx="28574" cy="1855036"/>
+          </a:xfrm>
+          <a:prstGeom prst="line">
+            <a:avLst/>
+          </a:prstGeom>
+        </p:spPr>
+        <p:style>
+          <a:lnRef idx="1">
+            <a:schemeClr val="accent1"/>
+          </a:lnRef>
+          <a:fillRef idx="0">
+            <a:schemeClr val="accent1"/>
+          </a:fillRef>
+          <a:effectRef idx="0">
+            <a:schemeClr val="accent1"/>
+          </a:effectRef>
+          <a:fontRef idx="minor">
+            <a:schemeClr val="tx1"/>
+          </a:fontRef>
+        </p:style>
+      </p:cxnSp>
+      <p:cxnSp>
+        <p:nvCxnSpPr>
+          <p:cNvPr id="132" name="Straight Connector 131">
+            <a:extLst>
+              <a:ext uri="{FF2B5EF4-FFF2-40B4-BE49-F238E27FC236}">
+                <a16:creationId xmlns:a16="http://schemas.microsoft.com/office/drawing/2014/main" id="{6F84FE4D-AD39-8952-8753-917CBD9D7023}"/>
+              </a:ext>
+            </a:extLst>
+          </p:cNvPr>
+          <p:cNvCxnSpPr>
+            <a:cxnSpLocks/>
+          </p:cNvCxnSpPr>
+          <p:nvPr/>
+        </p:nvCxnSpPr>
+        <p:spPr>
+          <a:xfrm flipH="1">
+            <a:off x="4585570" y="3931058"/>
+            <a:ext cx="32470" cy="1407746"/>
+          </a:xfrm>
+          <a:prstGeom prst="line">
+            <a:avLst/>
+          </a:prstGeom>
+        </p:spPr>
+        <p:style>
+          <a:lnRef idx="1">
+            <a:schemeClr val="accent1"/>
+          </a:lnRef>
+          <a:fillRef idx="0">
+            <a:schemeClr val="accent1"/>
+          </a:fillRef>
+          <a:effectRef idx="0">
+            <a:schemeClr val="accent1"/>
+          </a:effectRef>
+          <a:fontRef idx="minor">
+            <a:schemeClr val="tx1"/>
+          </a:fontRef>
+        </p:style>
+      </p:cxnSp>
+      <p:cxnSp>
+        <p:nvCxnSpPr>
+          <p:cNvPr id="139" name="Straight Connector 138">
+            <a:extLst>
+              <a:ext uri="{FF2B5EF4-FFF2-40B4-BE49-F238E27FC236}">
+                <a16:creationId xmlns:a16="http://schemas.microsoft.com/office/drawing/2014/main" id="{B5EEFD8D-99A5-17CD-AB38-8E5CF890890E}"/>
+              </a:ext>
+            </a:extLst>
+          </p:cNvPr>
+          <p:cNvCxnSpPr>
+            <a:cxnSpLocks/>
+          </p:cNvCxnSpPr>
+          <p:nvPr/>
+        </p:nvCxnSpPr>
+        <p:spPr>
+          <a:xfrm flipH="1" flipV="1">
+            <a:off x="4292339" y="3092195"/>
+            <a:ext cx="184411" cy="3151"/>
+          </a:xfrm>
+          <a:prstGeom prst="line">
+            <a:avLst/>
+          </a:prstGeom>
+        </p:spPr>
+        <p:style>
+          <a:lnRef idx="1">
+            <a:schemeClr val="accent5"/>
+          </a:lnRef>
+          <a:fillRef idx="0">
+            <a:schemeClr val="accent5"/>
+          </a:fillRef>
+          <a:effectRef idx="0">
+            <a:schemeClr val="accent5"/>
+          </a:effectRef>
+          <a:fontRef idx="minor">
+            <a:schemeClr val="tx1"/>
+          </a:fontRef>
+        </p:style>
+      </p:cxnSp>
+      <p:cxnSp>
+        <p:nvCxnSpPr>
+          <p:cNvPr id="145" name="Straight Connector 144">
+            <a:extLst>
+              <a:ext uri="{FF2B5EF4-FFF2-40B4-BE49-F238E27FC236}">
+                <a16:creationId xmlns:a16="http://schemas.microsoft.com/office/drawing/2014/main" id="{05C5F77D-D2C0-128F-F554-BF4035AC96ED}"/>
+              </a:ext>
+            </a:extLst>
+          </p:cNvPr>
+          <p:cNvCxnSpPr>
+            <a:cxnSpLocks/>
+          </p:cNvCxnSpPr>
+          <p:nvPr/>
+        </p:nvCxnSpPr>
+        <p:spPr>
+          <a:xfrm flipH="1">
+            <a:off x="4287877" y="3342047"/>
+            <a:ext cx="188873" cy="805"/>
+          </a:xfrm>
+          <a:prstGeom prst="line">
+            <a:avLst/>
+          </a:prstGeom>
+        </p:spPr>
+        <p:style>
+          <a:lnRef idx="1">
+            <a:schemeClr val="accent5"/>
+          </a:lnRef>
+          <a:fillRef idx="0">
+            <a:schemeClr val="accent5"/>
+          </a:fillRef>
+          <a:effectRef idx="0">
+            <a:schemeClr val="accent5"/>
+          </a:effectRef>
+          <a:fontRef idx="minor">
+            <a:schemeClr val="tx1"/>
+          </a:fontRef>
+        </p:style>
+      </p:cxnSp>
+      <p:cxnSp>
+        <p:nvCxnSpPr>
+          <p:cNvPr id="151" name="Straight Connector 150">
+            <a:extLst>
+              <a:ext uri="{FF2B5EF4-FFF2-40B4-BE49-F238E27FC236}">
+                <a16:creationId xmlns:a16="http://schemas.microsoft.com/office/drawing/2014/main" id="{38A9A664-9A98-6DA9-2CC1-41CC36897756}"/>
+              </a:ext>
+            </a:extLst>
+          </p:cNvPr>
+          <p:cNvCxnSpPr>
+            <a:cxnSpLocks/>
+          </p:cNvCxnSpPr>
+          <p:nvPr/>
+        </p:nvCxnSpPr>
+        <p:spPr>
+          <a:xfrm flipH="1">
+            <a:off x="4285496" y="3931058"/>
+            <a:ext cx="332544" cy="805"/>
+          </a:xfrm>
+          <a:prstGeom prst="line">
+            <a:avLst/>
+          </a:prstGeom>
+        </p:spPr>
+        <p:style>
+          <a:lnRef idx="1">
+            <a:schemeClr val="accent5"/>
+          </a:lnRef>
+          <a:fillRef idx="0">
+            <a:schemeClr val="accent5"/>
+          </a:fillRef>
+          <a:effectRef idx="0">
+            <a:schemeClr val="accent5"/>
+          </a:effectRef>
+          <a:fontRef idx="minor">
+            <a:schemeClr val="tx1"/>
+          </a:fontRef>
+        </p:style>
+      </p:cxnSp>
+      <p:cxnSp>
+        <p:nvCxnSpPr>
+          <p:cNvPr id="154" name="Straight Connector 153">
+            <a:extLst>
+              <a:ext uri="{FF2B5EF4-FFF2-40B4-BE49-F238E27FC236}">
+                <a16:creationId xmlns:a16="http://schemas.microsoft.com/office/drawing/2014/main" id="{172A9A75-48F6-D109-005F-E0EA0E96B981}"/>
+              </a:ext>
+            </a:extLst>
+          </p:cNvPr>
+          <p:cNvCxnSpPr>
+            <a:cxnSpLocks/>
+          </p:cNvCxnSpPr>
+          <p:nvPr/>
+        </p:nvCxnSpPr>
+        <p:spPr>
+          <a:xfrm flipH="1">
+            <a:off x="4285327" y="3732012"/>
+            <a:ext cx="324088" cy="1207"/>
+          </a:xfrm>
+          <a:prstGeom prst="line">
+            <a:avLst/>
+          </a:prstGeom>
+        </p:spPr>
+        <p:style>
+          <a:lnRef idx="1">
+            <a:schemeClr val="accent5"/>
+          </a:lnRef>
+          <a:fillRef idx="0">
+            <a:schemeClr val="accent5"/>
+          </a:fillRef>
+          <a:effectRef idx="0">
+            <a:schemeClr val="accent5"/>
+          </a:effectRef>
+          <a:fontRef idx="minor">
+            <a:schemeClr val="tx1"/>
+          </a:fontRef>
+        </p:style>
+      </p:cxnSp>
+      <p:sp>
+        <p:nvSpPr>
+          <p:cNvPr id="162" name="TextBox 161">
+            <a:extLst>
+              <a:ext uri="{FF2B5EF4-FFF2-40B4-BE49-F238E27FC236}">
+                <a16:creationId xmlns:a16="http://schemas.microsoft.com/office/drawing/2014/main" id="{DA3E2315-5BF3-A0FB-9B91-8C8F1C841215}"/>
+              </a:ext>
+            </a:extLst>
+          </p:cNvPr>
+          <p:cNvSpPr txBox="1"/>
+          <p:nvPr/>
+        </p:nvSpPr>
+        <p:spPr>
+          <a:xfrm rot="5400000">
+            <a:off x="7018670" y="326730"/>
+            <a:ext cx="416363" cy="230832"/>
+          </a:xfrm>
+          <a:prstGeom prst="rect">
+            <a:avLst/>
+          </a:prstGeom>
+        </p:spPr>
+        <p:style>
+          <a:lnRef idx="2">
+            <a:schemeClr val="accent2"/>
+          </a:lnRef>
+          <a:fillRef idx="1">
+            <a:schemeClr val="lt1"/>
+          </a:fillRef>
+          <a:effectRef idx="0">
+            <a:schemeClr val="accent2"/>
+          </a:effectRef>
+          <a:fontRef idx="minor">
+            <a:schemeClr val="dk1"/>
+          </a:fontRef>
+        </p:style>
+        <p:txBody>
+          <a:bodyPr wrap="square" rtlCol="0">
+            <a:spAutoFit/>
+          </a:bodyPr>
+          <a:lstStyle/>
+          <a:p>
+            <a:r>
+              <a:rPr lang="en-US" sz="900" dirty="0"/>
+              <a:t>MUX </a:t>
+            </a:r>
+          </a:p>
+        </p:txBody>
+      </p:sp>
+      <p:cxnSp>
+        <p:nvCxnSpPr>
+          <p:cNvPr id="166" name="Straight Connector 165">
+            <a:extLst>
+              <a:ext uri="{FF2B5EF4-FFF2-40B4-BE49-F238E27FC236}">
+                <a16:creationId xmlns:a16="http://schemas.microsoft.com/office/drawing/2014/main" id="{43275811-B167-1E1B-068A-520E626E3E2F}"/>
+              </a:ext>
+            </a:extLst>
+          </p:cNvPr>
+          <p:cNvCxnSpPr>
+            <a:cxnSpLocks/>
+          </p:cNvCxnSpPr>
+          <p:nvPr/>
+        </p:nvCxnSpPr>
+        <p:spPr>
+          <a:xfrm>
+            <a:off x="7342268" y="442146"/>
+            <a:ext cx="378407" cy="0"/>
+          </a:xfrm>
+          <a:prstGeom prst="line">
+            <a:avLst/>
+          </a:prstGeom>
+        </p:spPr>
+        <p:style>
+          <a:lnRef idx="1">
+            <a:schemeClr val="accent2"/>
+          </a:lnRef>
+          <a:fillRef idx="0">
+            <a:schemeClr val="accent2"/>
+          </a:fillRef>
+          <a:effectRef idx="0">
+            <a:schemeClr val="accent2"/>
+          </a:effectRef>
+          <a:fontRef idx="minor">
+            <a:schemeClr val="tx1"/>
+          </a:fontRef>
+        </p:style>
+      </p:cxnSp>
+      <p:sp>
+        <p:nvSpPr>
+          <p:cNvPr id="10" name="TextBox 9">
+            <a:extLst>
+              <a:ext uri="{FF2B5EF4-FFF2-40B4-BE49-F238E27FC236}">
+                <a16:creationId xmlns:a16="http://schemas.microsoft.com/office/drawing/2014/main" id="{53C7628B-9DFF-53C4-270F-93B466A210B3}"/>
+              </a:ext>
+            </a:extLst>
+          </p:cNvPr>
+          <p:cNvSpPr txBox="1"/>
+          <p:nvPr/>
+        </p:nvSpPr>
+        <p:spPr>
+          <a:xfrm rot="5400000">
+            <a:off x="7018230" y="758729"/>
+            <a:ext cx="416363" cy="230832"/>
+          </a:xfrm>
+          <a:prstGeom prst="rect">
+            <a:avLst/>
+          </a:prstGeom>
+        </p:spPr>
+        <p:style>
+          <a:lnRef idx="2">
+            <a:schemeClr val="accent2"/>
+          </a:lnRef>
+          <a:fillRef idx="1">
+            <a:schemeClr val="lt1"/>
+          </a:fillRef>
+          <a:effectRef idx="0">
+            <a:schemeClr val="accent2"/>
+          </a:effectRef>
+          <a:fontRef idx="minor">
+            <a:schemeClr val="dk1"/>
+          </a:fontRef>
+        </p:style>
+        <p:txBody>
+          <a:bodyPr wrap="square" rtlCol="0">
+            <a:spAutoFit/>
+          </a:bodyPr>
+          <a:lstStyle/>
+          <a:p>
+            <a:r>
+              <a:rPr lang="en-US" sz="900" dirty="0"/>
+              <a:t>MUX </a:t>
+            </a:r>
+          </a:p>
+        </p:txBody>
+      </p:sp>
+      <p:cxnSp>
+        <p:nvCxnSpPr>
+          <p:cNvPr id="12" name="Straight Connector 11">
+            <a:extLst>
+              <a:ext uri="{FF2B5EF4-FFF2-40B4-BE49-F238E27FC236}">
+                <a16:creationId xmlns:a16="http://schemas.microsoft.com/office/drawing/2014/main" id="{2097927A-E114-5DF8-5B9D-E73FC9AB472A}"/>
+              </a:ext>
+            </a:extLst>
+          </p:cNvPr>
+          <p:cNvCxnSpPr>
+            <a:cxnSpLocks/>
+          </p:cNvCxnSpPr>
+          <p:nvPr/>
+        </p:nvCxnSpPr>
+        <p:spPr>
+          <a:xfrm>
+            <a:off x="7350539" y="853802"/>
+            <a:ext cx="378407" cy="0"/>
+          </a:xfrm>
+          <a:prstGeom prst="line">
+            <a:avLst/>
+          </a:prstGeom>
+        </p:spPr>
+        <p:style>
+          <a:lnRef idx="1">
+            <a:schemeClr val="accent2"/>
+          </a:lnRef>
+          <a:fillRef idx="0">
+            <a:schemeClr val="accent2"/>
+          </a:fillRef>
+          <a:effectRef idx="0">
+            <a:schemeClr val="accent2"/>
+          </a:effectRef>
+          <a:fontRef idx="minor">
+            <a:schemeClr val="tx1"/>
+          </a:fontRef>
+        </p:style>
+      </p:cxnSp>
+      <p:cxnSp>
+        <p:nvCxnSpPr>
+          <p:cNvPr id="15" name="Straight Connector 14">
+            <a:extLst>
+              <a:ext uri="{FF2B5EF4-FFF2-40B4-BE49-F238E27FC236}">
+                <a16:creationId xmlns:a16="http://schemas.microsoft.com/office/drawing/2014/main" id="{373E2A32-CB85-ABED-EE8B-63E871161FA0}"/>
+              </a:ext>
+            </a:extLst>
+          </p:cNvPr>
+          <p:cNvCxnSpPr>
+            <a:cxnSpLocks/>
+          </p:cNvCxnSpPr>
+          <p:nvPr/>
+        </p:nvCxnSpPr>
+        <p:spPr>
+          <a:xfrm>
+            <a:off x="7342268" y="1269507"/>
+            <a:ext cx="378407" cy="0"/>
+          </a:xfrm>
+          <a:prstGeom prst="line">
+            <a:avLst/>
+          </a:prstGeom>
+        </p:spPr>
+        <p:style>
+          <a:lnRef idx="1">
+            <a:schemeClr val="accent2"/>
+          </a:lnRef>
+          <a:fillRef idx="0">
+            <a:schemeClr val="accent2"/>
+          </a:fillRef>
+          <a:effectRef idx="0">
+            <a:schemeClr val="accent2"/>
+          </a:effectRef>
+          <a:fontRef idx="minor">
+            <a:schemeClr val="tx1"/>
+          </a:fontRef>
+        </p:style>
+      </p:cxnSp>
+      <p:sp>
+        <p:nvSpPr>
+          <p:cNvPr id="17" name="TextBox 16">
+            <a:extLst>
+              <a:ext uri="{FF2B5EF4-FFF2-40B4-BE49-F238E27FC236}">
+                <a16:creationId xmlns:a16="http://schemas.microsoft.com/office/drawing/2014/main" id="{782CC745-6393-DCF3-718E-627C86EC9202}"/>
+              </a:ext>
+            </a:extLst>
+          </p:cNvPr>
+          <p:cNvSpPr txBox="1"/>
+          <p:nvPr/>
+        </p:nvSpPr>
+        <p:spPr>
+          <a:xfrm rot="5400000">
+            <a:off x="7018231" y="1185855"/>
+            <a:ext cx="416362" cy="230832"/>
+          </a:xfrm>
+          <a:prstGeom prst="rect">
+            <a:avLst/>
+          </a:prstGeom>
+        </p:spPr>
+        <p:style>
+          <a:lnRef idx="2">
+            <a:schemeClr val="accent2"/>
+          </a:lnRef>
+          <a:fillRef idx="1">
+            <a:schemeClr val="lt1"/>
+          </a:fillRef>
+          <a:effectRef idx="0">
+            <a:schemeClr val="accent2"/>
+          </a:effectRef>
+          <a:fontRef idx="minor">
+            <a:schemeClr val="dk1"/>
+          </a:fontRef>
+        </p:style>
+        <p:txBody>
+          <a:bodyPr wrap="square" rtlCol="0">
+            <a:spAutoFit/>
+          </a:bodyPr>
+          <a:lstStyle/>
+          <a:p>
+            <a:r>
+              <a:rPr lang="en-US" sz="900" dirty="0"/>
+              <a:t>MUX </a:t>
+            </a:r>
+          </a:p>
+        </p:txBody>
+      </p:sp>
+      <p:cxnSp>
+        <p:nvCxnSpPr>
+          <p:cNvPr id="28" name="Straight Connector 27">
+            <a:extLst>
+              <a:ext uri="{FF2B5EF4-FFF2-40B4-BE49-F238E27FC236}">
+                <a16:creationId xmlns:a16="http://schemas.microsoft.com/office/drawing/2014/main" id="{6E55F9F0-B3C9-9972-56AB-A2DCF3DED519}"/>
+              </a:ext>
+            </a:extLst>
+          </p:cNvPr>
+          <p:cNvCxnSpPr>
+            <a:cxnSpLocks/>
+          </p:cNvCxnSpPr>
+          <p:nvPr/>
+        </p:nvCxnSpPr>
+        <p:spPr>
+          <a:xfrm>
+            <a:off x="6576301" y="2453243"/>
+            <a:ext cx="645771" cy="0"/>
+          </a:xfrm>
+          <a:prstGeom prst="line">
+            <a:avLst/>
+          </a:prstGeom>
+        </p:spPr>
+        <p:style>
+          <a:lnRef idx="1">
+            <a:schemeClr val="accent2"/>
+          </a:lnRef>
+          <a:fillRef idx="0">
+            <a:schemeClr val="accent2"/>
+          </a:fillRef>
+          <a:effectRef idx="0">
+            <a:schemeClr val="accent2"/>
+          </a:effectRef>
+          <a:fontRef idx="minor">
+            <a:schemeClr val="tx1"/>
+          </a:fontRef>
+        </p:style>
+      </p:cxnSp>
+      <p:cxnSp>
+        <p:nvCxnSpPr>
+          <p:cNvPr id="34" name="Straight Connector 33">
+            <a:extLst>
+              <a:ext uri="{FF2B5EF4-FFF2-40B4-BE49-F238E27FC236}">
+                <a16:creationId xmlns:a16="http://schemas.microsoft.com/office/drawing/2014/main" id="{CD9393E6-5F50-6625-7B9D-97809575397C}"/>
+              </a:ext>
+            </a:extLst>
+          </p:cNvPr>
+          <p:cNvCxnSpPr>
+            <a:cxnSpLocks/>
+          </p:cNvCxnSpPr>
+          <p:nvPr/>
+        </p:nvCxnSpPr>
+        <p:spPr>
+          <a:xfrm>
+            <a:off x="6576300" y="2606478"/>
+            <a:ext cx="454815" cy="0"/>
+          </a:xfrm>
+          <a:prstGeom prst="line">
+            <a:avLst/>
+          </a:prstGeom>
+        </p:spPr>
+        <p:style>
+          <a:lnRef idx="1">
+            <a:schemeClr val="accent2"/>
+          </a:lnRef>
+          <a:fillRef idx="0">
+            <a:schemeClr val="accent2"/>
+          </a:fillRef>
+          <a:effectRef idx="0">
+            <a:schemeClr val="accent2"/>
+          </a:effectRef>
+          <a:fontRef idx="minor">
+            <a:schemeClr val="tx1"/>
+          </a:fontRef>
+        </p:style>
+      </p:cxnSp>
+      <p:cxnSp>
+        <p:nvCxnSpPr>
+          <p:cNvPr id="52" name="Straight Connector 51">
+            <a:extLst>
+              <a:ext uri="{FF2B5EF4-FFF2-40B4-BE49-F238E27FC236}">
+                <a16:creationId xmlns:a16="http://schemas.microsoft.com/office/drawing/2014/main" id="{C0CB6E07-E699-4FDD-EC09-CE6EB7A9815D}"/>
+              </a:ext>
+            </a:extLst>
+          </p:cNvPr>
+          <p:cNvCxnSpPr>
+            <a:cxnSpLocks/>
+          </p:cNvCxnSpPr>
+          <p:nvPr/>
+        </p:nvCxnSpPr>
+        <p:spPr>
+          <a:xfrm>
+            <a:off x="6576301" y="5588540"/>
+            <a:ext cx="1130205" cy="0"/>
+          </a:xfrm>
+          <a:prstGeom prst="line">
+            <a:avLst/>
+          </a:prstGeom>
+        </p:spPr>
+        <p:style>
+          <a:lnRef idx="1">
+            <a:schemeClr val="accent2"/>
+          </a:lnRef>
+          <a:fillRef idx="0">
+            <a:schemeClr val="accent2"/>
+          </a:fillRef>
+          <a:effectRef idx="0">
+            <a:schemeClr val="accent2"/>
+          </a:effectRef>
+          <a:fontRef idx="minor">
+            <a:schemeClr val="tx1"/>
+          </a:fontRef>
+        </p:style>
+      </p:cxnSp>
+      <p:cxnSp>
+        <p:nvCxnSpPr>
+          <p:cNvPr id="61" name="Straight Connector 60">
+            <a:extLst>
+              <a:ext uri="{FF2B5EF4-FFF2-40B4-BE49-F238E27FC236}">
+                <a16:creationId xmlns:a16="http://schemas.microsoft.com/office/drawing/2014/main" id="{C0A4BA35-5A5C-54DD-128D-10745DEBFAAF}"/>
+              </a:ext>
+            </a:extLst>
+          </p:cNvPr>
+          <p:cNvCxnSpPr>
+            <a:cxnSpLocks/>
+          </p:cNvCxnSpPr>
+          <p:nvPr/>
+        </p:nvCxnSpPr>
+        <p:spPr>
+          <a:xfrm>
+            <a:off x="6576300" y="5741775"/>
+            <a:ext cx="1130206" cy="0"/>
+          </a:xfrm>
+          <a:prstGeom prst="line">
+            <a:avLst/>
+          </a:prstGeom>
+        </p:spPr>
+        <p:style>
+          <a:lnRef idx="1">
+            <a:schemeClr val="accent2"/>
+          </a:lnRef>
+          <a:fillRef idx="0">
+            <a:schemeClr val="accent2"/>
+          </a:fillRef>
+          <a:effectRef idx="0">
+            <a:schemeClr val="accent2"/>
+          </a:effectRef>
+          <a:fontRef idx="minor">
+            <a:schemeClr val="tx1"/>
+          </a:fontRef>
+        </p:style>
+      </p:cxnSp>
+      <p:cxnSp>
+        <p:nvCxnSpPr>
+          <p:cNvPr id="65" name="Straight Connector 64">
+            <a:extLst>
+              <a:ext uri="{FF2B5EF4-FFF2-40B4-BE49-F238E27FC236}">
+                <a16:creationId xmlns:a16="http://schemas.microsoft.com/office/drawing/2014/main" id="{20DF905D-2F58-2399-F696-5A0E32A62F60}"/>
+              </a:ext>
+            </a:extLst>
+          </p:cNvPr>
+          <p:cNvCxnSpPr/>
+          <p:nvPr/>
+        </p:nvCxnSpPr>
+        <p:spPr>
+          <a:xfrm>
+            <a:off x="7031115" y="2606478"/>
+            <a:ext cx="0" cy="3135297"/>
+          </a:xfrm>
+          <a:prstGeom prst="line">
+            <a:avLst/>
+          </a:prstGeom>
+        </p:spPr>
+        <p:style>
+          <a:lnRef idx="1">
+            <a:schemeClr val="accent2"/>
+          </a:lnRef>
+          <a:fillRef idx="0">
+            <a:schemeClr val="accent2"/>
+          </a:fillRef>
+          <a:effectRef idx="0">
+            <a:schemeClr val="accent2"/>
+          </a:effectRef>
+          <a:fontRef idx="minor">
+            <a:schemeClr val="tx1"/>
+          </a:fontRef>
+        </p:style>
+      </p:cxnSp>
+      <p:cxnSp>
+        <p:nvCxnSpPr>
+          <p:cNvPr id="66" name="Straight Connector 65">
+            <a:extLst>
+              <a:ext uri="{FF2B5EF4-FFF2-40B4-BE49-F238E27FC236}">
+                <a16:creationId xmlns:a16="http://schemas.microsoft.com/office/drawing/2014/main" id="{7D1FD627-1B79-0BFD-B133-74899C1B3EF2}"/>
+              </a:ext>
+            </a:extLst>
+          </p:cNvPr>
+          <p:cNvCxnSpPr/>
+          <p:nvPr/>
+        </p:nvCxnSpPr>
+        <p:spPr>
+          <a:xfrm>
+            <a:off x="7222072" y="2453243"/>
+            <a:ext cx="0" cy="3135297"/>
+          </a:xfrm>
+          <a:prstGeom prst="line">
+            <a:avLst/>
+          </a:prstGeom>
+        </p:spPr>
+        <p:style>
+          <a:lnRef idx="1">
+            <a:schemeClr val="accent2"/>
+          </a:lnRef>
+          <a:fillRef idx="0">
+            <a:schemeClr val="accent2"/>
+          </a:fillRef>
+          <a:effectRef idx="0">
+            <a:schemeClr val="accent2"/>
+          </a:effectRef>
+          <a:fontRef idx="minor">
+            <a:schemeClr val="tx1"/>
+          </a:fontRef>
+        </p:style>
+      </p:cxnSp>
+      <p:sp>
+        <p:nvSpPr>
+          <p:cNvPr id="72" name="TextBox 71">
+            <a:extLst>
+              <a:ext uri="{FF2B5EF4-FFF2-40B4-BE49-F238E27FC236}">
+                <a16:creationId xmlns:a16="http://schemas.microsoft.com/office/drawing/2014/main" id="{807D1550-0BD5-736C-C97F-5A815FA0253E}"/>
+              </a:ext>
+            </a:extLst>
+          </p:cNvPr>
+          <p:cNvSpPr txBox="1"/>
+          <p:nvPr/>
+        </p:nvSpPr>
+        <p:spPr>
+          <a:xfrm>
+            <a:off x="7728948" y="325595"/>
+            <a:ext cx="1080394" cy="1477328"/>
+          </a:xfrm>
+          <a:prstGeom prst="rect">
+            <a:avLst/>
+          </a:prstGeom>
+        </p:spPr>
+        <p:style>
+          <a:lnRef idx="2">
+            <a:schemeClr val="dk1"/>
+          </a:lnRef>
+          <a:fillRef idx="1">
+            <a:schemeClr val="lt1"/>
+          </a:fillRef>
+          <a:effectRef idx="0">
+            <a:schemeClr val="dk1"/>
+          </a:effectRef>
+          <a:fontRef idx="minor">
+            <a:schemeClr val="dk1"/>
+          </a:fontRef>
+        </p:style>
+        <p:txBody>
+          <a:bodyPr wrap="square" rtlCol="0">
+            <a:spAutoFit/>
+          </a:bodyPr>
+          <a:lstStyle/>
+          <a:p>
+            <a:r>
+              <a:rPr lang="en-US" sz="900" dirty="0">
+                <a:solidFill>
+                  <a:srgbClr val="0070C0"/>
+                </a:solidFill>
+              </a:rPr>
+              <a:t>Output</a:t>
+            </a:r>
+            <a:r>
+              <a:rPr lang="en-US" sz="900" dirty="0"/>
+              <a:t> sda_out</a:t>
+            </a:r>
+          </a:p>
+          <a:p>
+            <a:endParaRPr lang="en-US" sz="900" dirty="0"/>
+          </a:p>
+          <a:p>
+            <a:endParaRPr lang="en-US" sz="900" dirty="0"/>
+          </a:p>
+          <a:p>
+            <a:r>
+              <a:rPr lang="en-US" sz="900" dirty="0">
+                <a:solidFill>
+                  <a:srgbClr val="0070C0"/>
+                </a:solidFill>
+              </a:rPr>
+              <a:t>Output</a:t>
+            </a:r>
+            <a:r>
+              <a:rPr lang="en-US" sz="900" dirty="0"/>
+              <a:t> sda_oen</a:t>
+            </a:r>
+          </a:p>
+          <a:p>
+            <a:endParaRPr lang="en-US" sz="900" dirty="0"/>
+          </a:p>
+          <a:p>
+            <a:endParaRPr lang="en-US" sz="900" dirty="0"/>
+          </a:p>
+          <a:p>
+            <a:r>
+              <a:rPr lang="en-US" sz="900" dirty="0">
+                <a:solidFill>
+                  <a:srgbClr val="0070C0"/>
+                </a:solidFill>
+              </a:rPr>
+              <a:t>Output</a:t>
+            </a:r>
+            <a:r>
+              <a:rPr lang="en-US" sz="900" dirty="0"/>
+              <a:t> scl_out</a:t>
+            </a:r>
+          </a:p>
+          <a:p>
+            <a:endParaRPr lang="en-US" sz="900" dirty="0"/>
+          </a:p>
+          <a:p>
+            <a:endParaRPr lang="en-US" sz="900" dirty="0"/>
+          </a:p>
+          <a:p>
+            <a:r>
+              <a:rPr lang="en-US" sz="900" dirty="0">
+                <a:solidFill>
+                  <a:srgbClr val="0070C0"/>
+                </a:solidFill>
+              </a:rPr>
+              <a:t>Output</a:t>
+            </a:r>
+            <a:r>
+              <a:rPr lang="en-US" sz="900" dirty="0"/>
+              <a:t> scl_oen</a:t>
+            </a:r>
+          </a:p>
+        </p:txBody>
+      </p:sp>
+      <p:sp>
+        <p:nvSpPr>
+          <p:cNvPr id="73" name="TextBox 72">
+            <a:extLst>
+              <a:ext uri="{FF2B5EF4-FFF2-40B4-BE49-F238E27FC236}">
+                <a16:creationId xmlns:a16="http://schemas.microsoft.com/office/drawing/2014/main" id="{7A448C53-8A41-8EF9-4D5E-5DD90955E385}"/>
+              </a:ext>
+            </a:extLst>
+          </p:cNvPr>
+          <p:cNvSpPr txBox="1"/>
+          <p:nvPr/>
+        </p:nvSpPr>
+        <p:spPr>
+          <a:xfrm rot="5400000">
+            <a:off x="7018231" y="1612980"/>
+            <a:ext cx="416362" cy="230832"/>
+          </a:xfrm>
+          <a:prstGeom prst="rect">
+            <a:avLst/>
+          </a:prstGeom>
+        </p:spPr>
+        <p:style>
+          <a:lnRef idx="2">
+            <a:schemeClr val="accent2"/>
+          </a:lnRef>
+          <a:fillRef idx="1">
+            <a:schemeClr val="lt1"/>
+          </a:fillRef>
+          <a:effectRef idx="0">
+            <a:schemeClr val="accent2"/>
+          </a:effectRef>
+          <a:fontRef idx="minor">
+            <a:schemeClr val="dk1"/>
+          </a:fontRef>
+        </p:style>
+        <p:txBody>
+          <a:bodyPr wrap="square" rtlCol="0">
+            <a:spAutoFit/>
+          </a:bodyPr>
+          <a:lstStyle/>
+          <a:p>
+            <a:r>
+              <a:rPr lang="en-US" sz="900" dirty="0"/>
+              <a:t>MUX </a:t>
+            </a:r>
+          </a:p>
+        </p:txBody>
+      </p:sp>
+      <p:cxnSp>
+        <p:nvCxnSpPr>
+          <p:cNvPr id="74" name="Straight Connector 73">
+            <a:extLst>
+              <a:ext uri="{FF2B5EF4-FFF2-40B4-BE49-F238E27FC236}">
+                <a16:creationId xmlns:a16="http://schemas.microsoft.com/office/drawing/2014/main" id="{6630565A-486F-B27F-CF08-839195602913}"/>
+              </a:ext>
+            </a:extLst>
+          </p:cNvPr>
+          <p:cNvCxnSpPr>
+            <a:cxnSpLocks/>
+          </p:cNvCxnSpPr>
+          <p:nvPr/>
+        </p:nvCxnSpPr>
+        <p:spPr>
+          <a:xfrm>
+            <a:off x="7342268" y="1696428"/>
+            <a:ext cx="378407" cy="0"/>
+          </a:xfrm>
+          <a:prstGeom prst="line">
+            <a:avLst/>
+          </a:prstGeom>
+        </p:spPr>
+        <p:style>
+          <a:lnRef idx="1">
+            <a:schemeClr val="accent2"/>
+          </a:lnRef>
+          <a:fillRef idx="0">
+            <a:schemeClr val="accent2"/>
+          </a:fillRef>
+          <a:effectRef idx="0">
+            <a:schemeClr val="accent2"/>
+          </a:effectRef>
+          <a:fontRef idx="minor">
+            <a:schemeClr val="tx1"/>
+          </a:fontRef>
+        </p:style>
+      </p:cxnSp>
+      <p:sp>
+        <p:nvSpPr>
+          <p:cNvPr id="75" name="TextBox 74">
+            <a:extLst>
+              <a:ext uri="{FF2B5EF4-FFF2-40B4-BE49-F238E27FC236}">
+                <a16:creationId xmlns:a16="http://schemas.microsoft.com/office/drawing/2014/main" id="{109B1A96-D69C-4A44-0201-C131D1E33778}"/>
+              </a:ext>
+            </a:extLst>
+          </p:cNvPr>
+          <p:cNvSpPr txBox="1"/>
+          <p:nvPr/>
+        </p:nvSpPr>
+        <p:spPr>
+          <a:xfrm>
+            <a:off x="7720853" y="5495015"/>
+            <a:ext cx="1080394" cy="369332"/>
+          </a:xfrm>
+          <a:prstGeom prst="rect">
+            <a:avLst/>
+          </a:prstGeom>
+        </p:spPr>
+        <p:style>
+          <a:lnRef idx="2">
+            <a:schemeClr val="dk1"/>
+          </a:lnRef>
+          <a:fillRef idx="1">
+            <a:schemeClr val="lt1"/>
+          </a:fillRef>
+          <a:effectRef idx="0">
+            <a:schemeClr val="dk1"/>
+          </a:effectRef>
+          <a:fontRef idx="minor">
+            <a:schemeClr val="dk1"/>
+          </a:fontRef>
+        </p:style>
+        <p:txBody>
+          <a:bodyPr wrap="square" rtlCol="0">
+            <a:spAutoFit/>
+          </a:bodyPr>
+          <a:lstStyle/>
+          <a:p>
+            <a:r>
+              <a:rPr lang="en-US" sz="900" dirty="0">
+                <a:solidFill>
+                  <a:srgbClr val="FF0000"/>
+                </a:solidFill>
+              </a:rPr>
+              <a:t>Input </a:t>
+            </a:r>
+            <a:r>
+              <a:rPr lang="en-US" sz="900" dirty="0"/>
+              <a:t>sda_in</a:t>
+            </a:r>
+          </a:p>
+          <a:p>
+            <a:r>
+              <a:rPr lang="en-US" sz="900" dirty="0">
+                <a:solidFill>
+                  <a:srgbClr val="FF0000"/>
+                </a:solidFill>
+              </a:rPr>
+              <a:t>Input </a:t>
+            </a:r>
+            <a:r>
+              <a:rPr lang="en-US" sz="900" dirty="0"/>
+              <a:t>scl_in</a:t>
+            </a:r>
+          </a:p>
+        </p:txBody>
+      </p:sp>
+      <p:cxnSp>
+        <p:nvCxnSpPr>
+          <p:cNvPr id="77" name="Straight Connector 76">
+            <a:extLst>
+              <a:ext uri="{FF2B5EF4-FFF2-40B4-BE49-F238E27FC236}">
+                <a16:creationId xmlns:a16="http://schemas.microsoft.com/office/drawing/2014/main" id="{0C8AD895-2AC9-CDA0-7727-66534F80B1C7}"/>
+              </a:ext>
+            </a:extLst>
+          </p:cNvPr>
+          <p:cNvCxnSpPr/>
+          <p:nvPr/>
+        </p:nvCxnSpPr>
+        <p:spPr>
+          <a:xfrm>
+            <a:off x="6959600" y="325595"/>
+            <a:ext cx="151835" cy="0"/>
+          </a:xfrm>
+          <a:prstGeom prst="line">
+            <a:avLst/>
+          </a:prstGeom>
+        </p:spPr>
+        <p:style>
+          <a:lnRef idx="1">
+            <a:schemeClr val="accent1"/>
+          </a:lnRef>
+          <a:fillRef idx="0">
+            <a:schemeClr val="accent1"/>
+          </a:fillRef>
+          <a:effectRef idx="0">
+            <a:schemeClr val="accent1"/>
+          </a:effectRef>
+          <a:fontRef idx="minor">
+            <a:schemeClr val="tx1"/>
+          </a:fontRef>
+        </p:style>
+      </p:cxnSp>
+      <p:cxnSp>
+        <p:nvCxnSpPr>
+          <p:cNvPr id="78" name="Straight Connector 77">
+            <a:extLst>
+              <a:ext uri="{FF2B5EF4-FFF2-40B4-BE49-F238E27FC236}">
+                <a16:creationId xmlns:a16="http://schemas.microsoft.com/office/drawing/2014/main" id="{F988E220-019C-A250-8A6B-740E1371E108}"/>
+              </a:ext>
+            </a:extLst>
+          </p:cNvPr>
+          <p:cNvCxnSpPr/>
+          <p:nvPr/>
+        </p:nvCxnSpPr>
+        <p:spPr>
+          <a:xfrm>
+            <a:off x="6959600" y="542648"/>
+            <a:ext cx="151835" cy="0"/>
+          </a:xfrm>
+          <a:prstGeom prst="line">
+            <a:avLst/>
+          </a:prstGeom>
+        </p:spPr>
+        <p:style>
+          <a:lnRef idx="1">
+            <a:schemeClr val="accent1"/>
+          </a:lnRef>
+          <a:fillRef idx="0">
+            <a:schemeClr val="accent1"/>
+          </a:fillRef>
+          <a:effectRef idx="0">
+            <a:schemeClr val="accent1"/>
+          </a:effectRef>
+          <a:fontRef idx="minor">
+            <a:schemeClr val="tx1"/>
+          </a:fontRef>
+        </p:style>
+      </p:cxnSp>
+      <p:cxnSp>
+        <p:nvCxnSpPr>
+          <p:cNvPr id="79" name="Straight Connector 78">
+            <a:extLst>
+              <a:ext uri="{FF2B5EF4-FFF2-40B4-BE49-F238E27FC236}">
+                <a16:creationId xmlns:a16="http://schemas.microsoft.com/office/drawing/2014/main" id="{4BB5D88C-48DF-444F-E540-346C18EBC12B}"/>
+              </a:ext>
+            </a:extLst>
+          </p:cNvPr>
+          <p:cNvCxnSpPr/>
+          <p:nvPr/>
+        </p:nvCxnSpPr>
+        <p:spPr>
+          <a:xfrm>
+            <a:off x="6959600" y="752092"/>
+            <a:ext cx="151835" cy="0"/>
+          </a:xfrm>
+          <a:prstGeom prst="line">
+            <a:avLst/>
+          </a:prstGeom>
+        </p:spPr>
+        <p:style>
+          <a:lnRef idx="1">
+            <a:schemeClr val="accent1"/>
+          </a:lnRef>
+          <a:fillRef idx="0">
+            <a:schemeClr val="accent1"/>
+          </a:fillRef>
+          <a:effectRef idx="0">
+            <a:schemeClr val="accent1"/>
+          </a:effectRef>
+          <a:fontRef idx="minor">
+            <a:schemeClr val="tx1"/>
+          </a:fontRef>
+        </p:style>
+      </p:cxnSp>
+      <p:cxnSp>
+        <p:nvCxnSpPr>
+          <p:cNvPr id="80" name="Straight Connector 79">
+            <a:extLst>
+              <a:ext uri="{FF2B5EF4-FFF2-40B4-BE49-F238E27FC236}">
+                <a16:creationId xmlns:a16="http://schemas.microsoft.com/office/drawing/2014/main" id="{7A6131D2-78B7-383C-0BCD-3243C3A8AFA9}"/>
+              </a:ext>
+            </a:extLst>
+          </p:cNvPr>
+          <p:cNvCxnSpPr/>
+          <p:nvPr/>
+        </p:nvCxnSpPr>
+        <p:spPr>
+          <a:xfrm>
+            <a:off x="6959600" y="969145"/>
+            <a:ext cx="151835" cy="0"/>
+          </a:xfrm>
+          <a:prstGeom prst="line">
+            <a:avLst/>
+          </a:prstGeom>
+        </p:spPr>
+        <p:style>
+          <a:lnRef idx="1">
+            <a:schemeClr val="accent1"/>
+          </a:lnRef>
+          <a:fillRef idx="0">
+            <a:schemeClr val="accent1"/>
+          </a:fillRef>
+          <a:effectRef idx="0">
+            <a:schemeClr val="accent1"/>
+          </a:effectRef>
+          <a:fontRef idx="minor">
+            <a:schemeClr val="tx1"/>
+          </a:fontRef>
+        </p:style>
+      </p:cxnSp>
+      <p:cxnSp>
+        <p:nvCxnSpPr>
+          <p:cNvPr id="81" name="Straight Connector 80">
+            <a:extLst>
+              <a:ext uri="{FF2B5EF4-FFF2-40B4-BE49-F238E27FC236}">
+                <a16:creationId xmlns:a16="http://schemas.microsoft.com/office/drawing/2014/main" id="{A21B46C8-0F20-F068-E6D0-CF9330D9EFF9}"/>
+              </a:ext>
+            </a:extLst>
+          </p:cNvPr>
+          <p:cNvCxnSpPr/>
+          <p:nvPr/>
+        </p:nvCxnSpPr>
+        <p:spPr>
+          <a:xfrm>
+            <a:off x="6959600" y="1208268"/>
+            <a:ext cx="151835" cy="0"/>
+          </a:xfrm>
+          <a:prstGeom prst="line">
+            <a:avLst/>
+          </a:prstGeom>
+        </p:spPr>
+        <p:style>
+          <a:lnRef idx="1">
+            <a:schemeClr val="accent1"/>
+          </a:lnRef>
+          <a:fillRef idx="0">
+            <a:schemeClr val="accent1"/>
+          </a:fillRef>
+          <a:effectRef idx="0">
+            <a:schemeClr val="accent1"/>
+          </a:effectRef>
+          <a:fontRef idx="minor">
+            <a:schemeClr val="tx1"/>
+          </a:fontRef>
+        </p:style>
+      </p:cxnSp>
+      <p:cxnSp>
+        <p:nvCxnSpPr>
+          <p:cNvPr id="82" name="Straight Connector 81">
+            <a:extLst>
+              <a:ext uri="{FF2B5EF4-FFF2-40B4-BE49-F238E27FC236}">
+                <a16:creationId xmlns:a16="http://schemas.microsoft.com/office/drawing/2014/main" id="{8C1A56F4-78AE-7622-E7A0-C6DCF21A4553}"/>
+              </a:ext>
+            </a:extLst>
+          </p:cNvPr>
+          <p:cNvCxnSpPr/>
+          <p:nvPr/>
+        </p:nvCxnSpPr>
+        <p:spPr>
+          <a:xfrm>
+            <a:off x="6959600" y="1425321"/>
+            <a:ext cx="151835" cy="0"/>
+          </a:xfrm>
+          <a:prstGeom prst="line">
+            <a:avLst/>
+          </a:prstGeom>
+        </p:spPr>
+        <p:style>
+          <a:lnRef idx="1">
+            <a:schemeClr val="accent1"/>
+          </a:lnRef>
+          <a:fillRef idx="0">
+            <a:schemeClr val="accent1"/>
+          </a:fillRef>
+          <a:effectRef idx="0">
+            <a:schemeClr val="accent1"/>
+          </a:effectRef>
+          <a:fontRef idx="minor">
+            <a:schemeClr val="tx1"/>
+          </a:fontRef>
+        </p:style>
+      </p:cxnSp>
+      <p:cxnSp>
+        <p:nvCxnSpPr>
+          <p:cNvPr id="83" name="Straight Connector 82">
+            <a:extLst>
+              <a:ext uri="{FF2B5EF4-FFF2-40B4-BE49-F238E27FC236}">
+                <a16:creationId xmlns:a16="http://schemas.microsoft.com/office/drawing/2014/main" id="{31D2C64D-19DC-3FF2-88B1-6B3AC110F35E}"/>
+              </a:ext>
+            </a:extLst>
+          </p:cNvPr>
+          <p:cNvCxnSpPr/>
+          <p:nvPr/>
+        </p:nvCxnSpPr>
+        <p:spPr>
+          <a:xfrm>
+            <a:off x="6959600" y="1647056"/>
+            <a:ext cx="151835" cy="0"/>
+          </a:xfrm>
+          <a:prstGeom prst="line">
+            <a:avLst/>
+          </a:prstGeom>
+        </p:spPr>
+        <p:style>
+          <a:lnRef idx="1">
+            <a:schemeClr val="accent1"/>
+          </a:lnRef>
+          <a:fillRef idx="0">
+            <a:schemeClr val="accent1"/>
+          </a:fillRef>
+          <a:effectRef idx="0">
+            <a:schemeClr val="accent1"/>
+          </a:effectRef>
+          <a:fontRef idx="minor">
+            <a:schemeClr val="tx1"/>
+          </a:fontRef>
+        </p:style>
+      </p:cxnSp>
+      <p:cxnSp>
+        <p:nvCxnSpPr>
+          <p:cNvPr id="84" name="Straight Connector 83">
+            <a:extLst>
+              <a:ext uri="{FF2B5EF4-FFF2-40B4-BE49-F238E27FC236}">
+                <a16:creationId xmlns:a16="http://schemas.microsoft.com/office/drawing/2014/main" id="{A185BDDF-E282-64E8-4BC6-2AA76F306D88}"/>
+              </a:ext>
+            </a:extLst>
+          </p:cNvPr>
+          <p:cNvCxnSpPr/>
+          <p:nvPr/>
+        </p:nvCxnSpPr>
+        <p:spPr>
+          <a:xfrm>
+            <a:off x="6959600" y="1864109"/>
+            <a:ext cx="151835" cy="0"/>
+          </a:xfrm>
+          <a:prstGeom prst="line">
+            <a:avLst/>
+          </a:prstGeom>
+        </p:spPr>
+        <p:style>
+          <a:lnRef idx="1">
+            <a:schemeClr val="accent1"/>
+          </a:lnRef>
+          <a:fillRef idx="0">
+            <a:schemeClr val="accent1"/>
+          </a:fillRef>
+          <a:effectRef idx="0">
+            <a:schemeClr val="accent1"/>
+          </a:effectRef>
+          <a:fontRef idx="minor">
+            <a:schemeClr val="tx1"/>
+          </a:fontRef>
+        </p:style>
+      </p:cxnSp>
+      <p:sp>
+        <p:nvSpPr>
+          <p:cNvPr id="85" name="TextBox 84">
+            <a:extLst>
+              <a:ext uri="{FF2B5EF4-FFF2-40B4-BE49-F238E27FC236}">
+                <a16:creationId xmlns:a16="http://schemas.microsoft.com/office/drawing/2014/main" id="{8BC28FBF-8030-E51C-E757-2086EFC5E98A}"/>
+              </a:ext>
+            </a:extLst>
+          </p:cNvPr>
+          <p:cNvSpPr txBox="1"/>
+          <p:nvPr/>
+        </p:nvSpPr>
+        <p:spPr>
+          <a:xfrm>
+            <a:off x="9929859" y="3157381"/>
+            <a:ext cx="1409154" cy="369332"/>
+          </a:xfrm>
+          <a:prstGeom prst="rect">
+            <a:avLst/>
+          </a:prstGeom>
+        </p:spPr>
+        <p:style>
+          <a:lnRef idx="2">
+            <a:schemeClr val="dk1"/>
+          </a:lnRef>
+          <a:fillRef idx="1">
+            <a:schemeClr val="lt1"/>
+          </a:fillRef>
+          <a:effectRef idx="0">
+            <a:schemeClr val="dk1"/>
+          </a:effectRef>
+          <a:fontRef idx="minor">
+            <a:schemeClr val="dk1"/>
+          </a:fontRef>
+        </p:style>
+        <p:txBody>
+          <a:bodyPr wrap="square" rtlCol="0">
+            <a:spAutoFit/>
+          </a:bodyPr>
+          <a:lstStyle/>
+          <a:p>
+            <a:r>
+              <a:rPr lang="en-US" dirty="0"/>
+              <a:t>SDA and SCL</a:t>
+            </a:r>
+          </a:p>
+        </p:txBody>
+      </p:sp>
+      <p:sp>
+        <p:nvSpPr>
+          <p:cNvPr id="2" name="TextBox 1">
+            <a:extLst>
+              <a:ext uri="{FF2B5EF4-FFF2-40B4-BE49-F238E27FC236}">
+                <a16:creationId xmlns:a16="http://schemas.microsoft.com/office/drawing/2014/main" id="{DA899964-AA80-B3D3-D6E0-38E150E214AE}"/>
+              </a:ext>
+            </a:extLst>
+          </p:cNvPr>
+          <p:cNvSpPr txBox="1"/>
+          <p:nvPr/>
+        </p:nvSpPr>
+        <p:spPr>
+          <a:xfrm rot="5400000">
+            <a:off x="10894951" y="945910"/>
+            <a:ext cx="416362" cy="230832"/>
+          </a:xfrm>
+          <a:prstGeom prst="rect">
+            <a:avLst/>
+          </a:prstGeom>
+        </p:spPr>
+        <p:style>
+          <a:lnRef idx="2">
+            <a:schemeClr val="accent2"/>
+          </a:lnRef>
+          <a:fillRef idx="1">
+            <a:schemeClr val="lt1"/>
+          </a:fillRef>
+          <a:effectRef idx="0">
+            <a:schemeClr val="accent2"/>
+          </a:effectRef>
+          <a:fontRef idx="minor">
+            <a:schemeClr val="dk1"/>
+          </a:fontRef>
+        </p:style>
+        <p:txBody>
+          <a:bodyPr wrap="square" rtlCol="0">
+            <a:spAutoFit/>
+          </a:bodyPr>
+          <a:lstStyle/>
+          <a:p>
+            <a:r>
+              <a:rPr lang="en-US" sz="900" dirty="0"/>
+              <a:t>MUX </a:t>
+            </a:r>
+          </a:p>
+        </p:txBody>
+      </p:sp>
+      <p:cxnSp>
+        <p:nvCxnSpPr>
+          <p:cNvPr id="3" name="Straight Connector 2">
+            <a:extLst>
+              <a:ext uri="{FF2B5EF4-FFF2-40B4-BE49-F238E27FC236}">
+                <a16:creationId xmlns:a16="http://schemas.microsoft.com/office/drawing/2014/main" id="{54043F4B-131A-D566-B3C9-6F51FDA6E7A3}"/>
+              </a:ext>
+            </a:extLst>
+          </p:cNvPr>
+          <p:cNvCxnSpPr/>
+          <p:nvPr/>
+        </p:nvCxnSpPr>
+        <p:spPr>
+          <a:xfrm>
+            <a:off x="10835881" y="969145"/>
+            <a:ext cx="151835" cy="0"/>
+          </a:xfrm>
+          <a:prstGeom prst="line">
+            <a:avLst/>
+          </a:prstGeom>
+        </p:spPr>
+        <p:style>
+          <a:lnRef idx="1">
+            <a:schemeClr val="accent1"/>
+          </a:lnRef>
+          <a:fillRef idx="0">
+            <a:schemeClr val="accent1"/>
+          </a:fillRef>
+          <a:effectRef idx="0">
+            <a:schemeClr val="accent1"/>
+          </a:effectRef>
+          <a:fontRef idx="minor">
+            <a:schemeClr val="tx1"/>
+          </a:fontRef>
+        </p:style>
+      </p:cxnSp>
+      <p:cxnSp>
+        <p:nvCxnSpPr>
+          <p:cNvPr id="6" name="Straight Connector 5">
+            <a:extLst>
+              <a:ext uri="{FF2B5EF4-FFF2-40B4-BE49-F238E27FC236}">
+                <a16:creationId xmlns:a16="http://schemas.microsoft.com/office/drawing/2014/main" id="{103DE4B8-2474-7CF9-F2A6-BCA21003C415}"/>
+              </a:ext>
+            </a:extLst>
+          </p:cNvPr>
+          <p:cNvCxnSpPr/>
+          <p:nvPr/>
+        </p:nvCxnSpPr>
+        <p:spPr>
+          <a:xfrm>
+            <a:off x="10835881" y="1186198"/>
+            <a:ext cx="151835" cy="0"/>
+          </a:xfrm>
+          <a:prstGeom prst="line">
+            <a:avLst/>
+          </a:prstGeom>
+        </p:spPr>
+        <p:style>
+          <a:lnRef idx="1">
+            <a:schemeClr val="accent1"/>
+          </a:lnRef>
+          <a:fillRef idx="0">
+            <a:schemeClr val="accent1"/>
+          </a:fillRef>
+          <a:effectRef idx="0">
+            <a:schemeClr val="accent1"/>
+          </a:effectRef>
+          <a:fontRef idx="minor">
+            <a:schemeClr val="tx1"/>
+          </a:fontRef>
+        </p:style>
+      </p:cxnSp>
+      <p:cxnSp>
+        <p:nvCxnSpPr>
+          <p:cNvPr id="8" name="Straight Connector 7">
+            <a:extLst>
+              <a:ext uri="{FF2B5EF4-FFF2-40B4-BE49-F238E27FC236}">
+                <a16:creationId xmlns:a16="http://schemas.microsoft.com/office/drawing/2014/main" id="{43FA8D13-D102-AC62-280A-93E6F68115BA}"/>
+              </a:ext>
+            </a:extLst>
+          </p:cNvPr>
+          <p:cNvCxnSpPr>
+            <a:cxnSpLocks/>
+          </p:cNvCxnSpPr>
+          <p:nvPr/>
+        </p:nvCxnSpPr>
+        <p:spPr>
+          <a:xfrm>
+            <a:off x="11218548" y="1045050"/>
+            <a:ext cx="378407" cy="0"/>
+          </a:xfrm>
+          <a:prstGeom prst="line">
+            <a:avLst/>
+          </a:prstGeom>
+        </p:spPr>
+        <p:style>
+          <a:lnRef idx="1">
+            <a:schemeClr val="accent2"/>
+          </a:lnRef>
+          <a:fillRef idx="0">
+            <a:schemeClr val="accent2"/>
+          </a:fillRef>
+          <a:effectRef idx="0">
+            <a:schemeClr val="accent2"/>
+          </a:effectRef>
+          <a:fontRef idx="minor">
+            <a:schemeClr val="tx1"/>
+          </a:fontRef>
+        </p:style>
+      </p:cxnSp>
+      <p:cxnSp>
+        <p:nvCxnSpPr>
+          <p:cNvPr id="18" name="Straight Connector 17">
+            <a:extLst>
+              <a:ext uri="{FF2B5EF4-FFF2-40B4-BE49-F238E27FC236}">
+                <a16:creationId xmlns:a16="http://schemas.microsoft.com/office/drawing/2014/main" id="{E6B44AC9-48DC-00A9-E99A-90B4CC6C2210}"/>
+              </a:ext>
+            </a:extLst>
+          </p:cNvPr>
+          <p:cNvCxnSpPr>
+            <a:stCxn id="2" idx="1"/>
+          </p:cNvCxnSpPr>
+          <p:nvPr/>
+        </p:nvCxnSpPr>
+        <p:spPr>
+          <a:xfrm flipV="1">
+            <a:off x="11103132" y="685523"/>
+            <a:ext cx="0" cy="167622"/>
+          </a:xfrm>
+          <a:prstGeom prst="line">
+            <a:avLst/>
+          </a:prstGeom>
+        </p:spPr>
+        <p:style>
+          <a:lnRef idx="1">
+            <a:schemeClr val="accent1"/>
+          </a:lnRef>
+          <a:fillRef idx="0">
+            <a:schemeClr val="accent1"/>
+          </a:fillRef>
+          <a:effectRef idx="0">
+            <a:schemeClr val="accent1"/>
+          </a:effectRef>
+          <a:fontRef idx="minor">
+            <a:schemeClr val="tx1"/>
+          </a:fontRef>
+        </p:style>
+      </p:cxnSp>
+      <p:sp>
+        <p:nvSpPr>
+          <p:cNvPr id="19" name="TextBox 18">
+            <a:extLst>
+              <a:ext uri="{FF2B5EF4-FFF2-40B4-BE49-F238E27FC236}">
+                <a16:creationId xmlns:a16="http://schemas.microsoft.com/office/drawing/2014/main" id="{2A62648B-90F2-BB0F-EA69-63CE5EE915C9}"/>
+              </a:ext>
+            </a:extLst>
+          </p:cNvPr>
+          <p:cNvSpPr txBox="1"/>
+          <p:nvPr/>
+        </p:nvSpPr>
+        <p:spPr>
+          <a:xfrm>
+            <a:off x="10835881" y="449975"/>
+            <a:ext cx="544039" cy="230832"/>
+          </a:xfrm>
+          <a:prstGeom prst="rect">
+            <a:avLst/>
+          </a:prstGeom>
+          <a:noFill/>
+        </p:spPr>
+        <p:txBody>
+          <a:bodyPr wrap="square" rtlCol="0">
+            <a:spAutoFit/>
+          </a:bodyPr>
+          <a:lstStyle/>
+          <a:p>
+            <a:r>
+              <a:rPr lang="en-US" sz="900" dirty="0"/>
+              <a:t>enable</a:t>
+            </a:r>
+          </a:p>
+        </p:txBody>
+      </p:sp>
+      <p:sp>
+        <p:nvSpPr>
+          <p:cNvPr id="21" name="TextBox 20">
+            <a:extLst>
+              <a:ext uri="{FF2B5EF4-FFF2-40B4-BE49-F238E27FC236}">
+                <a16:creationId xmlns:a16="http://schemas.microsoft.com/office/drawing/2014/main" id="{381DD665-D909-FEA8-FEF2-C0C11EF4A8DB}"/>
+              </a:ext>
+            </a:extLst>
+          </p:cNvPr>
+          <p:cNvSpPr txBox="1"/>
+          <p:nvPr/>
+        </p:nvSpPr>
+        <p:spPr>
+          <a:xfrm>
+            <a:off x="10461588" y="1398934"/>
+            <a:ext cx="1283087" cy="230832"/>
+          </a:xfrm>
+          <a:prstGeom prst="rect">
+            <a:avLst/>
+          </a:prstGeom>
+          <a:noFill/>
+        </p:spPr>
+        <p:txBody>
+          <a:bodyPr wrap="square" rtlCol="0">
+            <a:spAutoFit/>
+          </a:bodyPr>
+          <a:lstStyle/>
+          <a:p>
+            <a:r>
+              <a:rPr lang="en-US" sz="900" dirty="0"/>
+              <a:t>enable? Master, Slave</a:t>
+            </a:r>
+          </a:p>
+        </p:txBody>
+      </p:sp>
+    </p:spTree>
+    <p:extLst>
+      <p:ext uri="{BB962C8B-B14F-4D97-AF65-F5344CB8AC3E}">
+        <p14:creationId xmlns:p14="http://schemas.microsoft.com/office/powerpoint/2010/main" val="1476409429"/>
+      </p:ext>
+    </p:extLst>
+  </p:cSld>
+  <p:clrMapOvr>
+    <a:masterClrMapping/>
+  </p:clrMapOvr>
+</p:sld>
+</file>
+
 <file path=ppt/slides/slide3.xml><?xml version="1.0" encoding="utf-8"?>
 <p:sld xmlns:a="http://schemas.openxmlformats.org/drawingml/2006/main" xmlns:r="http://schemas.openxmlformats.org/officeDocument/2006/relationships" xmlns:p="http://schemas.openxmlformats.org/presentationml/2006/main">
   <p:cSld>
